--- a/Ground truth analysis.pptx
+++ b/Ground truth analysis.pptx
@@ -9,6 +9,7 @@
     <p:sldId id="259" r:id="rId3"/>
     <p:sldId id="260" r:id="rId4"/>
     <p:sldId id="261" r:id="rId5"/>
+    <p:sldId id="262" r:id="rId6"/>
   </p:sldIdLst>
   <p:sldSz cx="12192000" cy="6858000"/>
   <p:notesSz cx="6858000" cy="9144000"/>
@@ -16,92 +17,122 @@
     <a:defPPr>
       <a:defRPr lang="en-US"/>
     </a:defPPr>
-    <a:lvl1pPr marL="0" algn="l" defTabSz="914400" rtl="0" eaLnBrk="1" latinLnBrk="0" hangingPunct="1">
-      <a:defRPr sz="1800" kern="1200">
+    <a:lvl1pPr algn="l" rtl="0" eaLnBrk="0" fontAlgn="base" hangingPunct="0">
+      <a:spcBef>
+        <a:spcPct val="0"/>
+      </a:spcBef>
+      <a:spcAft>
+        <a:spcPct val="0"/>
+      </a:spcAft>
+      <a:defRPr kern="1200">
         <a:solidFill>
           <a:schemeClr val="tx1"/>
         </a:solidFill>
-        <a:latin typeface="+mn-lt"/>
+        <a:latin typeface="Franklin Gothic Book" pitchFamily="34" charset="0"/>
         <a:ea typeface="+mn-ea"/>
         <a:cs typeface="+mn-cs"/>
       </a:defRPr>
     </a:lvl1pPr>
-    <a:lvl2pPr marL="457200" algn="l" defTabSz="914400" rtl="0" eaLnBrk="1" latinLnBrk="0" hangingPunct="1">
-      <a:defRPr sz="1800" kern="1200">
+    <a:lvl2pPr marL="457200" algn="l" rtl="0" eaLnBrk="0" fontAlgn="base" hangingPunct="0">
+      <a:spcBef>
+        <a:spcPct val="0"/>
+      </a:spcBef>
+      <a:spcAft>
+        <a:spcPct val="0"/>
+      </a:spcAft>
+      <a:defRPr kern="1200">
         <a:solidFill>
           <a:schemeClr val="tx1"/>
         </a:solidFill>
-        <a:latin typeface="+mn-lt"/>
+        <a:latin typeface="Franklin Gothic Book" pitchFamily="34" charset="0"/>
         <a:ea typeface="+mn-ea"/>
         <a:cs typeface="+mn-cs"/>
       </a:defRPr>
     </a:lvl2pPr>
-    <a:lvl3pPr marL="914400" algn="l" defTabSz="914400" rtl="0" eaLnBrk="1" latinLnBrk="0" hangingPunct="1">
-      <a:defRPr sz="1800" kern="1200">
+    <a:lvl3pPr marL="914400" algn="l" rtl="0" eaLnBrk="0" fontAlgn="base" hangingPunct="0">
+      <a:spcBef>
+        <a:spcPct val="0"/>
+      </a:spcBef>
+      <a:spcAft>
+        <a:spcPct val="0"/>
+      </a:spcAft>
+      <a:defRPr kern="1200">
         <a:solidFill>
           <a:schemeClr val="tx1"/>
         </a:solidFill>
-        <a:latin typeface="+mn-lt"/>
+        <a:latin typeface="Franklin Gothic Book" pitchFamily="34" charset="0"/>
         <a:ea typeface="+mn-ea"/>
         <a:cs typeface="+mn-cs"/>
       </a:defRPr>
     </a:lvl3pPr>
-    <a:lvl4pPr marL="1371600" algn="l" defTabSz="914400" rtl="0" eaLnBrk="1" latinLnBrk="0" hangingPunct="1">
-      <a:defRPr sz="1800" kern="1200">
+    <a:lvl4pPr marL="1371600" algn="l" rtl="0" eaLnBrk="0" fontAlgn="base" hangingPunct="0">
+      <a:spcBef>
+        <a:spcPct val="0"/>
+      </a:spcBef>
+      <a:spcAft>
+        <a:spcPct val="0"/>
+      </a:spcAft>
+      <a:defRPr kern="1200">
         <a:solidFill>
           <a:schemeClr val="tx1"/>
         </a:solidFill>
-        <a:latin typeface="+mn-lt"/>
+        <a:latin typeface="Franklin Gothic Book" pitchFamily="34" charset="0"/>
         <a:ea typeface="+mn-ea"/>
         <a:cs typeface="+mn-cs"/>
       </a:defRPr>
     </a:lvl4pPr>
-    <a:lvl5pPr marL="1828800" algn="l" defTabSz="914400" rtl="0" eaLnBrk="1" latinLnBrk="0" hangingPunct="1">
-      <a:defRPr sz="1800" kern="1200">
+    <a:lvl5pPr marL="1828800" algn="l" rtl="0" eaLnBrk="0" fontAlgn="base" hangingPunct="0">
+      <a:spcBef>
+        <a:spcPct val="0"/>
+      </a:spcBef>
+      <a:spcAft>
+        <a:spcPct val="0"/>
+      </a:spcAft>
+      <a:defRPr kern="1200">
         <a:solidFill>
           <a:schemeClr val="tx1"/>
         </a:solidFill>
-        <a:latin typeface="+mn-lt"/>
+        <a:latin typeface="Franklin Gothic Book" pitchFamily="34" charset="0"/>
         <a:ea typeface="+mn-ea"/>
         <a:cs typeface="+mn-cs"/>
       </a:defRPr>
     </a:lvl5pPr>
     <a:lvl6pPr marL="2286000" algn="l" defTabSz="914400" rtl="0" eaLnBrk="1" latinLnBrk="0" hangingPunct="1">
-      <a:defRPr sz="1800" kern="1200">
+      <a:defRPr kern="1200">
         <a:solidFill>
           <a:schemeClr val="tx1"/>
         </a:solidFill>
-        <a:latin typeface="+mn-lt"/>
+        <a:latin typeface="Franklin Gothic Book" pitchFamily="34" charset="0"/>
         <a:ea typeface="+mn-ea"/>
         <a:cs typeface="+mn-cs"/>
       </a:defRPr>
     </a:lvl6pPr>
     <a:lvl7pPr marL="2743200" algn="l" defTabSz="914400" rtl="0" eaLnBrk="1" latinLnBrk="0" hangingPunct="1">
-      <a:defRPr sz="1800" kern="1200">
+      <a:defRPr kern="1200">
         <a:solidFill>
           <a:schemeClr val="tx1"/>
         </a:solidFill>
-        <a:latin typeface="+mn-lt"/>
+        <a:latin typeface="Franklin Gothic Book" pitchFamily="34" charset="0"/>
         <a:ea typeface="+mn-ea"/>
         <a:cs typeface="+mn-cs"/>
       </a:defRPr>
     </a:lvl7pPr>
     <a:lvl8pPr marL="3200400" algn="l" defTabSz="914400" rtl="0" eaLnBrk="1" latinLnBrk="0" hangingPunct="1">
-      <a:defRPr sz="1800" kern="1200">
+      <a:defRPr kern="1200">
         <a:solidFill>
           <a:schemeClr val="tx1"/>
         </a:solidFill>
-        <a:latin typeface="+mn-lt"/>
+        <a:latin typeface="Franklin Gothic Book" pitchFamily="34" charset="0"/>
         <a:ea typeface="+mn-ea"/>
         <a:cs typeface="+mn-cs"/>
       </a:defRPr>
     </a:lvl8pPr>
     <a:lvl9pPr marL="3657600" algn="l" defTabSz="914400" rtl="0" eaLnBrk="1" latinLnBrk="0" hangingPunct="1">
-      <a:defRPr sz="1800" kern="1200">
+      <a:defRPr kern="1200">
         <a:solidFill>
           <a:schemeClr val="tx1"/>
         </a:solidFill>
-        <a:latin typeface="+mn-lt"/>
+        <a:latin typeface="Franklin Gothic Book" pitchFamily="34" charset="0"/>
         <a:ea typeface="+mn-ea"/>
         <a:cs typeface="+mn-cs"/>
       </a:defRPr>
@@ -109,85 +140,21 @@
   </p:defaultTextStyle>
   <p:extLst>
     <p:ext uri="{EFAFB233-063F-42B5-8137-9DF3F51BA10A}">
-      <p15:sldGuideLst xmlns:p15="http://schemas.microsoft.com/office/powerpoint/2012/main"/>
+      <p15:sldGuideLst xmlns:p15="http://schemas.microsoft.com/office/powerpoint/2012/main">
+        <p15:guide id="1" orient="horz" pos="2160">
+          <p15:clr>
+            <a:srgbClr val="A4A3A4"/>
+          </p15:clr>
+        </p15:guide>
+        <p15:guide id="2" pos="3840">
+          <p15:clr>
+            <a:srgbClr val="A4A3A4"/>
+          </p15:clr>
+        </p15:guide>
+      </p15:sldGuideLst>
     </p:ext>
   </p:extLst>
 </p:presentation>
-</file>
-
-<file path=ppt/changesInfos/changesInfo1.xml><?xml version="1.0" encoding="utf-8"?>
-<pc:chgInfo xmlns:a="http://schemas.openxmlformats.org/drawingml/2006/main" xmlns:r="http://schemas.openxmlformats.org/officeDocument/2006/relationships" xmlns:ac="http://schemas.microsoft.com/office/drawing/2013/main/command" xmlns:pc="http://schemas.microsoft.com/office/powerpoint/2013/main/command">
-  <pc:docChgLst>
-    <pc:chgData name="Singh A" userId="862d836e6f17e315" providerId="LiveId" clId="{B6724D7B-33C1-4032-9631-7B105EB85592}"/>
-    <pc:docChg chg="custSel addSld modSld">
-      <pc:chgData name="Singh A" userId="862d836e6f17e315" providerId="LiveId" clId="{B6724D7B-33C1-4032-9631-7B105EB85592}" dt="2021-01-18T21:06:06.532" v="348" actId="20577"/>
-      <pc:docMkLst>
-        <pc:docMk/>
-      </pc:docMkLst>
-      <pc:sldChg chg="modSp mod">
-        <pc:chgData name="Singh A" userId="862d836e6f17e315" providerId="LiveId" clId="{B6724D7B-33C1-4032-9631-7B105EB85592}" dt="2021-01-18T19:04:50.008" v="1" actId="1076"/>
-        <pc:sldMkLst>
-          <pc:docMk/>
-          <pc:sldMk cId="1702349307" sldId="259"/>
-        </pc:sldMkLst>
-        <pc:spChg chg="mod">
-          <ac:chgData name="Singh A" userId="862d836e6f17e315" providerId="LiveId" clId="{B6724D7B-33C1-4032-9631-7B105EB85592}" dt="2021-01-18T19:04:50.008" v="1" actId="1076"/>
-          <ac:spMkLst>
-            <pc:docMk/>
-            <pc:sldMk cId="1702349307" sldId="259"/>
-            <ac:spMk id="2" creationId="{39E75A5B-5124-4768-8348-F8FD42098ECD}"/>
-          </ac:spMkLst>
-        </pc:spChg>
-      </pc:sldChg>
-      <pc:sldChg chg="modSp mod">
-        <pc:chgData name="Singh A" userId="862d836e6f17e315" providerId="LiveId" clId="{B6724D7B-33C1-4032-9631-7B105EB85592}" dt="2021-01-18T21:06:06.532" v="348" actId="20577"/>
-        <pc:sldMkLst>
-          <pc:docMk/>
-          <pc:sldMk cId="1180397284" sldId="260"/>
-        </pc:sldMkLst>
-        <pc:spChg chg="mod">
-          <ac:chgData name="Singh A" userId="862d836e6f17e315" providerId="LiveId" clId="{B6724D7B-33C1-4032-9631-7B105EB85592}" dt="2021-01-18T21:03:14.258" v="90" actId="313"/>
-          <ac:spMkLst>
-            <pc:docMk/>
-            <pc:sldMk cId="1180397284" sldId="260"/>
-            <ac:spMk id="2" creationId="{C71B93D5-9A0D-4ABC-8B38-5892622D4815}"/>
-          </ac:spMkLst>
-        </pc:spChg>
-        <pc:spChg chg="mod">
-          <ac:chgData name="Singh A" userId="862d836e6f17e315" providerId="LiveId" clId="{B6724D7B-33C1-4032-9631-7B105EB85592}" dt="2021-01-18T21:06:06.532" v="348" actId="20577"/>
-          <ac:spMkLst>
-            <pc:docMk/>
-            <pc:sldMk cId="1180397284" sldId="260"/>
-            <ac:spMk id="3" creationId="{F4E0B9EC-EEED-4462-BCCF-BA2A3CC2A436}"/>
-          </ac:spMkLst>
-        </pc:spChg>
-      </pc:sldChg>
-      <pc:sldChg chg="modSp new mod">
-        <pc:chgData name="Singh A" userId="862d836e6f17e315" providerId="LiveId" clId="{B6724D7B-33C1-4032-9631-7B105EB85592}" dt="2021-01-18T21:04:27.765" v="304" actId="20577"/>
-        <pc:sldMkLst>
-          <pc:docMk/>
-          <pc:sldMk cId="1031658964" sldId="261"/>
-        </pc:sldMkLst>
-        <pc:spChg chg="mod">
-          <ac:chgData name="Singh A" userId="862d836e6f17e315" providerId="LiveId" clId="{B6724D7B-33C1-4032-9631-7B105EB85592}" dt="2021-01-18T21:04:27.765" v="304" actId="20577"/>
-          <ac:spMkLst>
-            <pc:docMk/>
-            <pc:sldMk cId="1031658964" sldId="261"/>
-            <ac:spMk id="2" creationId="{0BB6B1EA-661C-4D70-972A-2629BAC4A2B9}"/>
-          </ac:spMkLst>
-        </pc:spChg>
-        <pc:spChg chg="mod">
-          <ac:chgData name="Singh A" userId="862d836e6f17e315" providerId="LiveId" clId="{B6724D7B-33C1-4032-9631-7B105EB85592}" dt="2021-01-18T21:04:15.901" v="285" actId="20577"/>
-          <ac:spMkLst>
-            <pc:docMk/>
-            <pc:sldMk cId="1031658964" sldId="261"/>
-            <ac:spMk id="3" creationId="{7A18FFD8-8E5F-4CC6-BC05-8AD413B6B033}"/>
-          </ac:spMkLst>
-        </pc:spChg>
-      </pc:sldChg>
-    </pc:docChg>
-  </pc:docChgLst>
-</pc:chgInfo>
 </file>
 
 <file path=ppt/slideLayouts/slideLayout1.xml><?xml version="1.0" encoding="utf-8"?>
@@ -209,10 +176,10 @@
       </p:grpSpPr>
       <p:sp>
         <p:nvSpPr>
-          <p:cNvPr id="10" name="Rectangle 9">
-            <a:extLst>
-              <a:ext uri="{FF2B5EF4-FFF2-40B4-BE49-F238E27FC236}">
-                <a16:creationId xmlns:a16="http://schemas.microsoft.com/office/drawing/2014/main" id="{39E3965E-AC41-4711-9D10-E25ABB132D86}"/>
+          <p:cNvPr id="4" name="Rectangle 3">
+            <a:extLst>
+              <a:ext uri="{FF2B5EF4-FFF2-40B4-BE49-F238E27FC236}">
+                <a16:creationId xmlns:a16="http://schemas.microsoft.com/office/drawing/2014/main" id="{EA5EA5CD-3078-4CC3-856C-E81BBF52C276}"/>
               </a:ext>
             </a:extLst>
           </p:cNvPr>
@@ -251,6 +218,50 @@
           </a:fontRef>
         </p:style>
       </p:sp>
+      <p:cxnSp>
+        <p:nvCxnSpPr>
+          <p:cNvPr id="5" name="Straight Connector 4">
+            <a:extLst>
+              <a:ext uri="{FF2B5EF4-FFF2-40B4-BE49-F238E27FC236}">
+                <a16:creationId xmlns:a16="http://schemas.microsoft.com/office/drawing/2014/main" id="{50819AAD-9365-4BBD-A652-D4E2B82A38A4}"/>
+              </a:ext>
+            </a:extLst>
+          </p:cNvPr>
+          <p:cNvCxnSpPr/>
+          <p:nvPr/>
+        </p:nvCxnSpPr>
+        <p:spPr>
+          <a:xfrm>
+            <a:off x="1208088" y="4475163"/>
+            <a:ext cx="9875837" cy="0"/>
+          </a:xfrm>
+          <a:prstGeom prst="line">
+            <a:avLst/>
+          </a:prstGeom>
+          <a:ln w="12700">
+            <a:solidFill>
+              <a:schemeClr val="tx1">
+                <a:lumMod val="75000"/>
+                <a:lumOff val="25000"/>
+              </a:schemeClr>
+            </a:solidFill>
+          </a:ln>
+        </p:spPr>
+        <p:style>
+          <a:lnRef idx="1">
+            <a:schemeClr val="accent1"/>
+          </a:lnRef>
+          <a:fillRef idx="0">
+            <a:schemeClr val="accent1"/>
+          </a:fillRef>
+          <a:effectRef idx="0">
+            <a:schemeClr val="accent1"/>
+          </a:effectRef>
+          <a:fontRef idx="minor">
+            <a:schemeClr val="tx1"/>
+          </a:fontRef>
+        </p:style>
+      </p:cxnSp>
       <p:sp>
         <p:nvSpPr>
           <p:cNvPr id="2" name="Title 1"/>
@@ -268,9 +279,7 @@
           </a:xfrm>
         </p:spPr>
         <p:txBody>
-          <a:bodyPr anchor="b">
-            <a:normAutofit/>
-          </a:bodyPr>
+          <a:bodyPr/>
           <a:lstStyle>
             <a:lvl1pPr algn="l">
               <a:lnSpc>
@@ -367,56 +376,12 @@
           </a:p>
         </p:txBody>
       </p:sp>
-      <p:cxnSp>
-        <p:nvCxnSpPr>
-          <p:cNvPr id="9" name="Straight Connector 8">
-            <a:extLst>
-              <a:ext uri="{FF2B5EF4-FFF2-40B4-BE49-F238E27FC236}">
-                <a16:creationId xmlns:a16="http://schemas.microsoft.com/office/drawing/2014/main" id="{1F5DC8C3-BA5F-4EED-BB9A-A14272BD82A1}"/>
-              </a:ext>
-            </a:extLst>
-          </p:cNvPr>
-          <p:cNvCxnSpPr/>
-          <p:nvPr/>
-        </p:nvCxnSpPr>
-        <p:spPr>
-          <a:xfrm>
-            <a:off x="1207658" y="4474741"/>
-            <a:ext cx="9875520" cy="0"/>
-          </a:xfrm>
-          <a:prstGeom prst="line">
-            <a:avLst/>
-          </a:prstGeom>
-          <a:ln w="12700">
-            <a:solidFill>
-              <a:schemeClr val="tx1">
-                <a:lumMod val="75000"/>
-                <a:lumOff val="25000"/>
-              </a:schemeClr>
-            </a:solidFill>
-          </a:ln>
-        </p:spPr>
-        <p:style>
-          <a:lnRef idx="1">
-            <a:schemeClr val="accent1"/>
-          </a:lnRef>
-          <a:fillRef idx="0">
-            <a:schemeClr val="accent1"/>
-          </a:fillRef>
-          <a:effectRef idx="0">
-            <a:schemeClr val="accent1"/>
-          </a:effectRef>
-          <a:fontRef idx="minor">
-            <a:schemeClr val="tx1"/>
-          </a:fontRef>
-        </p:style>
-      </p:cxnSp>
-      <p:sp>
-        <p:nvSpPr>
-          <p:cNvPr id="4" name="Date Placeholder 3">
-            <a:extLst>
-              <a:ext uri="{FF2B5EF4-FFF2-40B4-BE49-F238E27FC236}">
-                <a16:creationId xmlns:a16="http://schemas.microsoft.com/office/drawing/2014/main" id="{9925CCF1-92C0-4AF3-BFAF-4921631915AB}"/>
+      <p:sp>
+        <p:nvSpPr>
+          <p:cNvPr id="6" name="Date Placeholder 3">
+            <a:extLst>
+              <a:ext uri="{FF2B5EF4-FFF2-40B4-BE49-F238E27FC236}">
+                <a16:creationId xmlns:a16="http://schemas.microsoft.com/office/drawing/2014/main" id="{64F2E451-9109-48C5-BE5B-D3456764DA23}"/>
               </a:ext>
             </a:extLst>
           </p:cNvPr>
@@ -430,11 +395,21 @@
         <p:spPr/>
         <p:txBody>
           <a:bodyPr/>
-          <a:lstStyle/>
-          <a:p>
-            <a:fld id="{9184DA70-C731-4C70-880D-CCD4705E623C}" type="datetime1">
-              <a:rPr lang="en-US" smtClean="0"/>
-              <a:t>1/19/2021</a:t>
+          <a:lstStyle>
+            <a:lvl1pPr>
+              <a:defRPr/>
+            </a:lvl1pPr>
+          </a:lstStyle>
+          <a:p>
+            <a:pPr>
+              <a:defRPr/>
+            </a:pPr>
+            <a:fld id="{B476BAC2-A822-48BE-BAB3-753E70761432}" type="datetime1">
+              <a:rPr lang="en-US"/>
+              <a:pPr>
+                <a:defRPr/>
+              </a:pPr>
+              <a:t>1/24/2021</a:t>
             </a:fld>
             <a:endParaRPr lang="en-US" dirty="0"/>
           </a:p>
@@ -442,10 +417,10 @@
       </p:sp>
       <p:sp>
         <p:nvSpPr>
-          <p:cNvPr id="5" name="Footer Placeholder 4">
-            <a:extLst>
-              <a:ext uri="{FF2B5EF4-FFF2-40B4-BE49-F238E27FC236}">
-                <a16:creationId xmlns:a16="http://schemas.microsoft.com/office/drawing/2014/main" id="{051A78A9-3DFF-4937-A9F2-5D8CF495F367}"/>
+          <p:cNvPr id="7" name="Footer Placeholder 4">
+            <a:extLst>
+              <a:ext uri="{FF2B5EF4-FFF2-40B4-BE49-F238E27FC236}">
+                <a16:creationId xmlns:a16="http://schemas.microsoft.com/office/drawing/2014/main" id="{AAAA73A7-2EA0-43A2-A652-6FE94CD43E59}"/>
               </a:ext>
             </a:extLst>
           </p:cNvPr>
@@ -459,18 +434,25 @@
         <p:spPr/>
         <p:txBody>
           <a:bodyPr/>
-          <a:lstStyle/>
-          <a:p>
-            <a:endParaRPr lang="en-US" dirty="0"/>
-          </a:p>
-        </p:txBody>
-      </p:sp>
-      <p:sp>
-        <p:nvSpPr>
-          <p:cNvPr id="6" name="Slide Number Placeholder 5">
-            <a:extLst>
-              <a:ext uri="{FF2B5EF4-FFF2-40B4-BE49-F238E27FC236}">
-                <a16:creationId xmlns:a16="http://schemas.microsoft.com/office/drawing/2014/main" id="{5FAEB271-5CC0-4759-BC6E-8BE53AB227C0}"/>
+          <a:lstStyle>
+            <a:lvl1pPr>
+              <a:defRPr/>
+            </a:lvl1pPr>
+          </a:lstStyle>
+          <a:p>
+            <a:pPr>
+              <a:defRPr/>
+            </a:pPr>
+            <a:endParaRPr lang="en-US"/>
+          </a:p>
+        </p:txBody>
+      </p:sp>
+      <p:sp>
+        <p:nvSpPr>
+          <p:cNvPr id="8" name="Slide Number Placeholder 5">
+            <a:extLst>
+              <a:ext uri="{FF2B5EF4-FFF2-40B4-BE49-F238E27FC236}">
+                <a16:creationId xmlns:a16="http://schemas.microsoft.com/office/drawing/2014/main" id="{409FAFFA-621D-4F89-B7D0-9302B874A3F7}"/>
               </a:ext>
             </a:extLst>
           </p:cNvPr>
@@ -484,10 +466,20 @@
         <p:spPr/>
         <p:txBody>
           <a:bodyPr/>
-          <a:lstStyle/>
-          <a:p>
-            <a:fld id="{3A98EE3D-8CD1-4C3F-BD1C-C98C9596463C}" type="slidenum">
-              <a:rPr lang="en-US" smtClean="0"/>
+          <a:lstStyle>
+            <a:lvl1pPr>
+              <a:defRPr/>
+            </a:lvl1pPr>
+          </a:lstStyle>
+          <a:p>
+            <a:pPr>
+              <a:defRPr/>
+            </a:pPr>
+            <a:fld id="{E76A0F16-2F4D-4501-A0EE-DB5ACCE034B2}" type="slidenum">
+              <a:rPr lang="en-US"/>
+              <a:pPr>
+                <a:defRPr/>
+              </a:pPr>
               <a:t>‹#›</a:t>
             </a:fld>
             <a:endParaRPr lang="en-US" dirty="0"/>
@@ -497,7 +489,7 @@
     </p:spTree>
     <p:extLst>
       <p:ext uri="{BB962C8B-B14F-4D97-AF65-F5344CB8AC3E}">
-        <p14:creationId xmlns:p14="http://schemas.microsoft.com/office/powerpoint/2010/main" val="4258331492"/>
+        <p14:creationId xmlns:p14="http://schemas.microsoft.com/office/powerpoint/2010/main" val="3988231213"/>
       </p:ext>
     </p:extLst>
   </p:cSld>
@@ -601,10 +593,10 @@
       </p:sp>
       <p:sp>
         <p:nvSpPr>
-          <p:cNvPr id="7" name="Date Placeholder 6">
-            <a:extLst>
-              <a:ext uri="{FF2B5EF4-FFF2-40B4-BE49-F238E27FC236}">
-                <a16:creationId xmlns:a16="http://schemas.microsoft.com/office/drawing/2014/main" id="{7D5506EE-1026-4F35-9ACC-BD05BE0F9B36}"/>
+          <p:cNvPr id="4" name="Date Placeholder 3">
+            <a:extLst>
+              <a:ext uri="{FF2B5EF4-FFF2-40B4-BE49-F238E27FC236}">
+                <a16:creationId xmlns:a16="http://schemas.microsoft.com/office/drawing/2014/main" id="{75834320-30BD-4A49-8636-9A0D110A6DA1}"/>
               </a:ext>
             </a:extLst>
           </p:cNvPr>
@@ -618,11 +610,21 @@
         <p:spPr/>
         <p:txBody>
           <a:bodyPr/>
-          <a:lstStyle/>
-          <a:p>
-            <a:fld id="{B612A279-0833-481D-8C56-F67FD0AC6C50}" type="datetime1">
-              <a:rPr lang="en-US" smtClean="0"/>
-              <a:t>1/19/2021</a:t>
+          <a:lstStyle>
+            <a:lvl1pPr>
+              <a:defRPr/>
+            </a:lvl1pPr>
+          </a:lstStyle>
+          <a:p>
+            <a:pPr>
+              <a:defRPr/>
+            </a:pPr>
+            <a:fld id="{147EA7CC-03EC-4D63-9451-B99D807B9138}" type="datetime1">
+              <a:rPr lang="en-US"/>
+              <a:pPr>
+                <a:defRPr/>
+              </a:pPr>
+              <a:t>1/24/2021</a:t>
             </a:fld>
             <a:endParaRPr lang="en-US" dirty="0"/>
           </a:p>
@@ -630,10 +632,10 @@
       </p:sp>
       <p:sp>
         <p:nvSpPr>
-          <p:cNvPr id="8" name="Footer Placeholder 7">
-            <a:extLst>
-              <a:ext uri="{FF2B5EF4-FFF2-40B4-BE49-F238E27FC236}">
-                <a16:creationId xmlns:a16="http://schemas.microsoft.com/office/drawing/2014/main" id="{B7696E5F-8D95-4450-AE52-5438E6EDE2BF}"/>
+          <p:cNvPr id="5" name="Footer Placeholder 4">
+            <a:extLst>
+              <a:ext uri="{FF2B5EF4-FFF2-40B4-BE49-F238E27FC236}">
+                <a16:creationId xmlns:a16="http://schemas.microsoft.com/office/drawing/2014/main" id="{55519DD1-D995-49CC-9DC7-D1BF2B640FB8}"/>
               </a:ext>
             </a:extLst>
           </p:cNvPr>
@@ -647,18 +649,25 @@
         <p:spPr/>
         <p:txBody>
           <a:bodyPr/>
-          <a:lstStyle/>
-          <a:p>
-            <a:endParaRPr lang="en-US" dirty="0"/>
-          </a:p>
-        </p:txBody>
-      </p:sp>
-      <p:sp>
-        <p:nvSpPr>
-          <p:cNvPr id="9" name="Slide Number Placeholder 8">
-            <a:extLst>
-              <a:ext uri="{FF2B5EF4-FFF2-40B4-BE49-F238E27FC236}">
-                <a16:creationId xmlns:a16="http://schemas.microsoft.com/office/drawing/2014/main" id="{999B2253-74CC-409E-BEB0-F8EFCFCB5629}"/>
+          <a:lstStyle>
+            <a:lvl1pPr>
+              <a:defRPr/>
+            </a:lvl1pPr>
+          </a:lstStyle>
+          <a:p>
+            <a:pPr>
+              <a:defRPr/>
+            </a:pPr>
+            <a:endParaRPr lang="en-US"/>
+          </a:p>
+        </p:txBody>
+      </p:sp>
+      <p:sp>
+        <p:nvSpPr>
+          <p:cNvPr id="6" name="Slide Number Placeholder 5">
+            <a:extLst>
+              <a:ext uri="{FF2B5EF4-FFF2-40B4-BE49-F238E27FC236}">
+                <a16:creationId xmlns:a16="http://schemas.microsoft.com/office/drawing/2014/main" id="{3C249274-C280-4AF4-80C8-72FF46992A13}"/>
               </a:ext>
             </a:extLst>
           </p:cNvPr>
@@ -672,10 +681,20 @@
         <p:spPr/>
         <p:txBody>
           <a:bodyPr/>
-          <a:lstStyle/>
-          <a:p>
-            <a:fld id="{3A98EE3D-8CD1-4C3F-BD1C-C98C9596463C}" type="slidenum">
-              <a:rPr lang="en-US" smtClean="0"/>
+          <a:lstStyle>
+            <a:lvl1pPr>
+              <a:defRPr/>
+            </a:lvl1pPr>
+          </a:lstStyle>
+          <a:p>
+            <a:pPr>
+              <a:defRPr/>
+            </a:pPr>
+            <a:fld id="{F8AA26EA-1D26-423D-AC32-F6B55090D996}" type="slidenum">
+              <a:rPr lang="en-US"/>
+              <a:pPr>
+                <a:defRPr/>
+              </a:pPr>
               <a:t>‹#›</a:t>
             </a:fld>
             <a:endParaRPr lang="en-US" dirty="0"/>
@@ -685,7 +704,7 @@
     </p:spTree>
     <p:extLst>
       <p:ext uri="{BB962C8B-B14F-4D97-AF65-F5344CB8AC3E}">
-        <p14:creationId xmlns:p14="http://schemas.microsoft.com/office/powerpoint/2010/main" val="1672269861"/>
+        <p14:creationId xmlns:p14="http://schemas.microsoft.com/office/powerpoint/2010/main" val="320175058"/>
       </p:ext>
     </p:extLst>
   </p:cSld>
@@ -714,10 +733,10 @@
       </p:grpSpPr>
       <p:sp>
         <p:nvSpPr>
-          <p:cNvPr id="9" name="Rectangle 8">
-            <a:extLst>
-              <a:ext uri="{FF2B5EF4-FFF2-40B4-BE49-F238E27FC236}">
-                <a16:creationId xmlns:a16="http://schemas.microsoft.com/office/drawing/2014/main" id="{E1B68A5B-D9FA-424B-A4EB-30E7223836B3}"/>
+          <p:cNvPr id="4" name="Rectangle 3">
+            <a:extLst>
+              <a:ext uri="{FF2B5EF4-FFF2-40B4-BE49-F238E27FC236}">
+                <a16:creationId xmlns:a16="http://schemas.microsoft.com/office/drawing/2014/main" id="{9625DE56-BFB3-4A14-A152-500663D73D53}"/>
               </a:ext>
             </a:extLst>
           </p:cNvPr>
@@ -843,10 +862,10 @@
       </p:sp>
       <p:sp>
         <p:nvSpPr>
-          <p:cNvPr id="7" name="Date Placeholder 6">
-            <a:extLst>
-              <a:ext uri="{FF2B5EF4-FFF2-40B4-BE49-F238E27FC236}">
-                <a16:creationId xmlns:a16="http://schemas.microsoft.com/office/drawing/2014/main" id="{AF33D6B0-F070-45C4-A472-19F432BE3932}"/>
+          <p:cNvPr id="5" name="Date Placeholder 6">
+            <a:extLst>
+              <a:ext uri="{FF2B5EF4-FFF2-40B4-BE49-F238E27FC236}">
+                <a16:creationId xmlns:a16="http://schemas.microsoft.com/office/drawing/2014/main" id="{56C1D21A-FD21-4FAD-9D5E-D779D49CC33C}"/>
               </a:ext>
             </a:extLst>
           </p:cNvPr>
@@ -860,11 +879,21 @@
         <p:spPr/>
         <p:txBody>
           <a:bodyPr/>
-          <a:lstStyle/>
-          <a:p>
-            <a:fld id="{6587DA83-5663-4C9C-B9AA-0B40A3DAFF81}" type="datetime1">
-              <a:rPr lang="en-US" smtClean="0"/>
-              <a:t>1/19/2021</a:t>
+          <a:lstStyle>
+            <a:lvl1pPr>
+              <a:defRPr/>
+            </a:lvl1pPr>
+          </a:lstStyle>
+          <a:p>
+            <a:pPr>
+              <a:defRPr/>
+            </a:pPr>
+            <a:fld id="{5A2789B0-D5C5-4580-B511-A3CCB810AF3E}" type="datetime1">
+              <a:rPr lang="en-US"/>
+              <a:pPr>
+                <a:defRPr/>
+              </a:pPr>
+              <a:t>1/24/2021</a:t>
             </a:fld>
             <a:endParaRPr lang="en-US" dirty="0"/>
           </a:p>
@@ -872,10 +901,10 @@
       </p:sp>
       <p:sp>
         <p:nvSpPr>
-          <p:cNvPr id="8" name="Footer Placeholder 7">
-            <a:extLst>
-              <a:ext uri="{FF2B5EF4-FFF2-40B4-BE49-F238E27FC236}">
-                <a16:creationId xmlns:a16="http://schemas.microsoft.com/office/drawing/2014/main" id="{9975399F-DAB2-410D-967F-ED17E6F796E7}"/>
+          <p:cNvPr id="6" name="Footer Placeholder 7">
+            <a:extLst>
+              <a:ext uri="{FF2B5EF4-FFF2-40B4-BE49-F238E27FC236}">
+                <a16:creationId xmlns:a16="http://schemas.microsoft.com/office/drawing/2014/main" id="{0EBA4973-C897-429C-8F94-25829BD12D81}"/>
               </a:ext>
             </a:extLst>
           </p:cNvPr>
@@ -889,18 +918,25 @@
         <p:spPr/>
         <p:txBody>
           <a:bodyPr/>
-          <a:lstStyle/>
-          <a:p>
-            <a:endParaRPr lang="en-US" dirty="0"/>
-          </a:p>
-        </p:txBody>
-      </p:sp>
-      <p:sp>
-        <p:nvSpPr>
-          <p:cNvPr id="10" name="Slide Number Placeholder 9">
-            <a:extLst>
-              <a:ext uri="{FF2B5EF4-FFF2-40B4-BE49-F238E27FC236}">
-                <a16:creationId xmlns:a16="http://schemas.microsoft.com/office/drawing/2014/main" id="{F762A46F-6BE5-4D12-9412-5CA7672EA8EC}"/>
+          <a:lstStyle>
+            <a:lvl1pPr>
+              <a:defRPr/>
+            </a:lvl1pPr>
+          </a:lstStyle>
+          <a:p>
+            <a:pPr>
+              <a:defRPr/>
+            </a:pPr>
+            <a:endParaRPr lang="en-US"/>
+          </a:p>
+        </p:txBody>
+      </p:sp>
+      <p:sp>
+        <p:nvSpPr>
+          <p:cNvPr id="7" name="Slide Number Placeholder 9">
+            <a:extLst>
+              <a:ext uri="{FF2B5EF4-FFF2-40B4-BE49-F238E27FC236}">
+                <a16:creationId xmlns:a16="http://schemas.microsoft.com/office/drawing/2014/main" id="{84F5D05C-CE16-44C9-A7FA-7945ED9F5B96}"/>
               </a:ext>
             </a:extLst>
           </p:cNvPr>
@@ -914,10 +950,20 @@
         <p:spPr/>
         <p:txBody>
           <a:bodyPr/>
-          <a:lstStyle/>
-          <a:p>
-            <a:fld id="{3A98EE3D-8CD1-4C3F-BD1C-C98C9596463C}" type="slidenum">
-              <a:rPr lang="en-US" smtClean="0"/>
+          <a:lstStyle>
+            <a:lvl1pPr>
+              <a:defRPr/>
+            </a:lvl1pPr>
+          </a:lstStyle>
+          <a:p>
+            <a:pPr>
+              <a:defRPr/>
+            </a:pPr>
+            <a:fld id="{8463BCE8-B6C8-4E76-96D5-80157D35B4B0}" type="slidenum">
+              <a:rPr lang="en-US"/>
+              <a:pPr>
+                <a:defRPr/>
+              </a:pPr>
               <a:t>‹#›</a:t>
             </a:fld>
             <a:endParaRPr lang="en-US" dirty="0"/>
@@ -927,7 +973,162 @@
     </p:spTree>
     <p:extLst>
       <p:ext uri="{BB962C8B-B14F-4D97-AF65-F5344CB8AC3E}">
-        <p14:creationId xmlns:p14="http://schemas.microsoft.com/office/powerpoint/2010/main" val="761827292"/>
+        <p14:creationId xmlns:p14="http://schemas.microsoft.com/office/powerpoint/2010/main" val="2432163733"/>
+      </p:ext>
+    </p:extLst>
+  </p:cSld>
+  <p:clrMapOvr>
+    <a:masterClrMapping/>
+  </p:clrMapOvr>
+</p:sldLayout>
+</file>
+
+<file path=ppt/slideLayouts/slideLayout12.xml><?xml version="1.0" encoding="utf-8"?>
+<p:sldLayout xmlns:a="http://schemas.openxmlformats.org/drawingml/2006/main" xmlns:r="http://schemas.openxmlformats.org/officeDocument/2006/relationships" xmlns:p="http://schemas.openxmlformats.org/presentationml/2006/main" type="blank" preserve="1">
+  <p:cSld name="1_Blank">
+    <p:spTree>
+      <p:nvGrpSpPr>
+        <p:cNvPr id="1" name=""/>
+        <p:cNvGrpSpPr/>
+        <p:nvPr/>
+      </p:nvGrpSpPr>
+      <p:grpSpPr>
+        <a:xfrm>
+          <a:off x="0" y="0"/>
+          <a:ext cx="0" cy="0"/>
+          <a:chOff x="0" y="0"/>
+          <a:chExt cx="0" cy="0"/>
+        </a:xfrm>
+      </p:grpSpPr>
+      <p:sp>
+        <p:nvSpPr>
+          <p:cNvPr id="2" name="Date Placeholder 1">
+            <a:extLst>
+              <a:ext uri="{FF2B5EF4-FFF2-40B4-BE49-F238E27FC236}">
+                <a16:creationId xmlns:a16="http://schemas.microsoft.com/office/drawing/2014/main" id="{5C4D3D4E-B164-46CF-9BE7-AA58EC0A6367}"/>
+              </a:ext>
+            </a:extLst>
+          </p:cNvPr>
+          <p:cNvSpPr>
+            <a:spLocks noGrp="1"/>
+          </p:cNvSpPr>
+          <p:nvPr>
+            <p:ph type="dt" sz="half" idx="10"/>
+          </p:nvPr>
+        </p:nvSpPr>
+        <p:spPr>
+          <a:xfrm>
+            <a:off x="8218488" y="6446838"/>
+            <a:ext cx="2584450" cy="365125"/>
+          </a:xfrm>
+        </p:spPr>
+        <p:txBody>
+          <a:bodyPr/>
+          <a:lstStyle>
+            <a:lvl1pPr>
+              <a:defRPr/>
+            </a:lvl1pPr>
+          </a:lstStyle>
+          <a:p>
+            <a:pPr>
+              <a:defRPr/>
+            </a:pPr>
+            <a:fld id="{CD28B9D2-C24A-489C-BE29-54FE253EB3A3}" type="datetime1">
+              <a:rPr lang="en-US"/>
+              <a:pPr>
+                <a:defRPr/>
+              </a:pPr>
+              <a:t>1/24/2021</a:t>
+            </a:fld>
+            <a:endParaRPr lang="en-US" dirty="0"/>
+          </a:p>
+        </p:txBody>
+      </p:sp>
+      <p:sp>
+        <p:nvSpPr>
+          <p:cNvPr id="3" name="Footer Placeholder 2">
+            <a:extLst>
+              <a:ext uri="{FF2B5EF4-FFF2-40B4-BE49-F238E27FC236}">
+                <a16:creationId xmlns:a16="http://schemas.microsoft.com/office/drawing/2014/main" id="{B4D2E031-5ECA-442B-9FA7-7BF3AB13F994}"/>
+              </a:ext>
+            </a:extLst>
+          </p:cNvPr>
+          <p:cNvSpPr>
+            <a:spLocks noGrp="1"/>
+          </p:cNvSpPr>
+          <p:nvPr>
+            <p:ph type="ftr" sz="quarter" idx="11"/>
+          </p:nvPr>
+        </p:nvSpPr>
+        <p:spPr>
+          <a:xfrm>
+            <a:off x="1096963" y="6446838"/>
+            <a:ext cx="6818312" cy="365125"/>
+          </a:xfrm>
+        </p:spPr>
+        <p:txBody>
+          <a:bodyPr/>
+          <a:lstStyle>
+            <a:lvl1pPr>
+              <a:defRPr/>
+            </a:lvl1pPr>
+          </a:lstStyle>
+          <a:p>
+            <a:pPr>
+              <a:defRPr/>
+            </a:pPr>
+            <a:endParaRPr lang="en-US"/>
+          </a:p>
+        </p:txBody>
+      </p:sp>
+      <p:sp>
+        <p:nvSpPr>
+          <p:cNvPr id="4" name="Slide Number Placeholder 3">
+            <a:extLst>
+              <a:ext uri="{FF2B5EF4-FFF2-40B4-BE49-F238E27FC236}">
+                <a16:creationId xmlns:a16="http://schemas.microsoft.com/office/drawing/2014/main" id="{3693643E-13DB-47E6-954D-40C363816BBF}"/>
+              </a:ext>
+            </a:extLst>
+          </p:cNvPr>
+          <p:cNvSpPr>
+            <a:spLocks noGrp="1"/>
+          </p:cNvSpPr>
+          <p:nvPr>
+            <p:ph type="sldNum" sz="quarter" idx="12"/>
+          </p:nvPr>
+        </p:nvSpPr>
+        <p:spPr>
+          <a:xfrm>
+            <a:off x="10993438" y="6446838"/>
+            <a:ext cx="779462" cy="365125"/>
+          </a:xfrm>
+        </p:spPr>
+        <p:txBody>
+          <a:bodyPr/>
+          <a:lstStyle>
+            <a:lvl1pPr>
+              <a:defRPr/>
+            </a:lvl1pPr>
+          </a:lstStyle>
+          <a:p>
+            <a:pPr>
+              <a:defRPr/>
+            </a:pPr>
+            <a:fld id="{4E6963A1-3EFD-4118-BD65-AE797777AA01}" type="slidenum">
+              <a:rPr lang="en-US"/>
+              <a:pPr>
+                <a:defRPr/>
+              </a:pPr>
+              <a:t>‹#›</a:t>
+            </a:fld>
+            <a:endParaRPr lang="en-US" dirty="0"/>
+          </a:p>
+        </p:txBody>
+      </p:sp>
+    </p:spTree>
+    <p:extLst>
+      <p:ext uri="{BB962C8B-B14F-4D97-AF65-F5344CB8AC3E}">
+        <p14:creationId xmlns:p14="http://schemas.microsoft.com/office/powerpoint/2010/main" val="1161156581"/>
       </p:ext>
     </p:extLst>
   </p:cSld>
@@ -1031,10 +1232,10 @@
       </p:sp>
       <p:sp>
         <p:nvSpPr>
-          <p:cNvPr id="7" name="Date Placeholder 6">
-            <a:extLst>
-              <a:ext uri="{FF2B5EF4-FFF2-40B4-BE49-F238E27FC236}">
-                <a16:creationId xmlns:a16="http://schemas.microsoft.com/office/drawing/2014/main" id="{354D8B55-9EA8-4B81-8E84-9B93B0A27559}"/>
+          <p:cNvPr id="4" name="Date Placeholder 3">
+            <a:extLst>
+              <a:ext uri="{FF2B5EF4-FFF2-40B4-BE49-F238E27FC236}">
+                <a16:creationId xmlns:a16="http://schemas.microsoft.com/office/drawing/2014/main" id="{00E1EC0D-3515-457A-9451-3667913AB441}"/>
               </a:ext>
             </a:extLst>
           </p:cNvPr>
@@ -1048,11 +1249,21 @@
         <p:spPr/>
         <p:txBody>
           <a:bodyPr/>
-          <a:lstStyle/>
-          <a:p>
-            <a:fld id="{4BE1D723-8F53-4F53-90B0-1982A396982E}" type="datetime1">
-              <a:rPr lang="en-US" smtClean="0"/>
-              <a:t>1/19/2021</a:t>
+          <a:lstStyle>
+            <a:lvl1pPr>
+              <a:defRPr/>
+            </a:lvl1pPr>
+          </a:lstStyle>
+          <a:p>
+            <a:pPr>
+              <a:defRPr/>
+            </a:pPr>
+            <a:fld id="{51B7479C-6B07-479E-9B7D-5EC89DECD8DC}" type="datetime1">
+              <a:rPr lang="en-US"/>
+              <a:pPr>
+                <a:defRPr/>
+              </a:pPr>
+              <a:t>1/24/2021</a:t>
             </a:fld>
             <a:endParaRPr lang="en-US" dirty="0"/>
           </a:p>
@@ -1060,10 +1271,10 @@
       </p:sp>
       <p:sp>
         <p:nvSpPr>
-          <p:cNvPr id="8" name="Footer Placeholder 7">
-            <a:extLst>
-              <a:ext uri="{FF2B5EF4-FFF2-40B4-BE49-F238E27FC236}">
-                <a16:creationId xmlns:a16="http://schemas.microsoft.com/office/drawing/2014/main" id="{062CA021-2578-47CB-822C-BDDFF7223B28}"/>
+          <p:cNvPr id="5" name="Footer Placeholder 4">
+            <a:extLst>
+              <a:ext uri="{FF2B5EF4-FFF2-40B4-BE49-F238E27FC236}">
+                <a16:creationId xmlns:a16="http://schemas.microsoft.com/office/drawing/2014/main" id="{60824032-2A85-46FC-988B-7809BBD07427}"/>
               </a:ext>
             </a:extLst>
           </p:cNvPr>
@@ -1077,18 +1288,25 @@
         <p:spPr/>
         <p:txBody>
           <a:bodyPr/>
-          <a:lstStyle/>
-          <a:p>
-            <a:endParaRPr lang="en-US" dirty="0"/>
-          </a:p>
-        </p:txBody>
-      </p:sp>
-      <p:sp>
-        <p:nvSpPr>
-          <p:cNvPr id="9" name="Slide Number Placeholder 8">
-            <a:extLst>
-              <a:ext uri="{FF2B5EF4-FFF2-40B4-BE49-F238E27FC236}">
-                <a16:creationId xmlns:a16="http://schemas.microsoft.com/office/drawing/2014/main" id="{C4AAB51D-4141-4682-9375-DAFD5FB9DD10}"/>
+          <a:lstStyle>
+            <a:lvl1pPr>
+              <a:defRPr/>
+            </a:lvl1pPr>
+          </a:lstStyle>
+          <a:p>
+            <a:pPr>
+              <a:defRPr/>
+            </a:pPr>
+            <a:endParaRPr lang="en-US"/>
+          </a:p>
+        </p:txBody>
+      </p:sp>
+      <p:sp>
+        <p:nvSpPr>
+          <p:cNvPr id="6" name="Slide Number Placeholder 5">
+            <a:extLst>
+              <a:ext uri="{FF2B5EF4-FFF2-40B4-BE49-F238E27FC236}">
+                <a16:creationId xmlns:a16="http://schemas.microsoft.com/office/drawing/2014/main" id="{24053A29-4F54-4807-88C1-B35CF28BF4BD}"/>
               </a:ext>
             </a:extLst>
           </p:cNvPr>
@@ -1102,10 +1320,20 @@
         <p:spPr/>
         <p:txBody>
           <a:bodyPr/>
-          <a:lstStyle/>
-          <a:p>
-            <a:fld id="{3A98EE3D-8CD1-4C3F-BD1C-C98C9596463C}" type="slidenum">
-              <a:rPr lang="en-US" smtClean="0"/>
+          <a:lstStyle>
+            <a:lvl1pPr>
+              <a:defRPr/>
+            </a:lvl1pPr>
+          </a:lstStyle>
+          <a:p>
+            <a:pPr>
+              <a:defRPr/>
+            </a:pPr>
+            <a:fld id="{7C2E47DC-433C-4DF2-A163-7652FE79F0EC}" type="slidenum">
+              <a:rPr lang="en-US"/>
+              <a:pPr>
+                <a:defRPr/>
+              </a:pPr>
               <a:t>‹#›</a:t>
             </a:fld>
             <a:endParaRPr lang="en-US" dirty="0"/>
@@ -1115,7 +1343,7 @@
     </p:spTree>
     <p:extLst>
       <p:ext uri="{BB962C8B-B14F-4D97-AF65-F5344CB8AC3E}">
-        <p14:creationId xmlns:p14="http://schemas.microsoft.com/office/powerpoint/2010/main" val="892670607"/>
+        <p14:creationId xmlns:p14="http://schemas.microsoft.com/office/powerpoint/2010/main" val="3594473479"/>
       </p:ext>
     </p:extLst>
   </p:cSld>
@@ -1128,14 +1356,6 @@
 <file path=ppt/slideLayouts/slideLayout3.xml><?xml version="1.0" encoding="utf-8"?>
 <p:sldLayout xmlns:a="http://schemas.openxmlformats.org/drawingml/2006/main" xmlns:r="http://schemas.openxmlformats.org/officeDocument/2006/relationships" xmlns:p="http://schemas.openxmlformats.org/presentationml/2006/main" showMasterSp="0" type="secHead" preserve="1">
   <p:cSld name="Section Header">
-    <p:bg>
-      <p:bgPr>
-        <a:solidFill>
-          <a:schemeClr val="bg1"/>
-        </a:solidFill>
-        <a:effectLst/>
-      </p:bgPr>
-    </p:bg>
     <p:spTree>
       <p:nvGrpSpPr>
         <p:cNvPr id="1" name=""/>
@@ -1152,10 +1372,10 @@
       </p:grpSpPr>
       <p:sp>
         <p:nvSpPr>
-          <p:cNvPr id="10" name="Rectangle 9">
-            <a:extLst>
-              <a:ext uri="{FF2B5EF4-FFF2-40B4-BE49-F238E27FC236}">
-                <a16:creationId xmlns:a16="http://schemas.microsoft.com/office/drawing/2014/main" id="{A585C21A-8B93-4657-B5DF-7EAEAD3BE127}"/>
+          <p:cNvPr id="4" name="Rectangle 3">
+            <a:extLst>
+              <a:ext uri="{FF2B5EF4-FFF2-40B4-BE49-F238E27FC236}">
+                <a16:creationId xmlns:a16="http://schemas.microsoft.com/office/drawing/2014/main" id="{122C1DF7-870C-4F1B-B30F-A5179EFC677F}"/>
               </a:ext>
             </a:extLst>
           </p:cNvPr>
@@ -1194,176 +1414,12 @@
           </a:fontRef>
         </p:style>
       </p:sp>
-      <p:sp>
-        <p:nvSpPr>
-          <p:cNvPr id="2" name="Title 1"/>
-          <p:cNvSpPr>
-            <a:spLocks noGrp="1"/>
-          </p:cNvSpPr>
-          <p:nvPr>
-            <p:ph type="title"/>
-          </p:nvPr>
-        </p:nvSpPr>
-        <p:spPr>
-          <a:xfrm>
-            <a:off x="1097280" y="758952"/>
-            <a:ext cx="10058400" cy="3566160"/>
-          </a:xfrm>
-        </p:spPr>
-        <p:txBody>
-          <a:bodyPr anchor="b" anchorCtr="0">
-            <a:normAutofit/>
-          </a:bodyPr>
-          <a:lstStyle>
-            <a:lvl1pPr>
-              <a:lnSpc>
-                <a:spcPct val="90000"/>
-              </a:lnSpc>
-              <a:defRPr sz="8000" b="0">
-                <a:solidFill>
-                  <a:schemeClr val="tx1">
-                    <a:lumMod val="85000"/>
-                    <a:lumOff val="15000"/>
-                  </a:schemeClr>
-                </a:solidFill>
-              </a:defRPr>
-            </a:lvl1pPr>
-          </a:lstStyle>
-          <a:p>
-            <a:r>
-              <a:rPr lang="en-US"/>
-              <a:t>Click to edit Master title style</a:t>
-            </a:r>
-            <a:endParaRPr lang="en-US" dirty="0"/>
-          </a:p>
-        </p:txBody>
-      </p:sp>
-      <p:sp>
-        <p:nvSpPr>
-          <p:cNvPr id="3" name="Text Placeholder 2"/>
-          <p:cNvSpPr>
-            <a:spLocks noGrp="1"/>
-          </p:cNvSpPr>
-          <p:nvPr>
-            <p:ph type="body" idx="1"/>
-          </p:nvPr>
-        </p:nvSpPr>
-        <p:spPr>
-          <a:xfrm>
-            <a:off x="1097280" y="4663440"/>
-            <a:ext cx="10058400" cy="1143000"/>
-          </a:xfrm>
-        </p:spPr>
-        <p:txBody>
-          <a:bodyPr lIns="91440" rIns="91440" anchor="t" anchorCtr="0">
-            <a:normAutofit/>
-          </a:bodyPr>
-          <a:lstStyle>
-            <a:lvl1pPr marL="0" indent="0">
-              <a:buNone/>
-              <a:defRPr sz="2400" cap="all" spc="200" baseline="0">
-                <a:solidFill>
-                  <a:schemeClr val="tx1"/>
-                </a:solidFill>
-                <a:latin typeface="+mn-lt"/>
-              </a:defRPr>
-            </a:lvl1pPr>
-            <a:lvl2pPr marL="457200" indent="0">
-              <a:buNone/>
-              <a:defRPr sz="1800">
-                <a:solidFill>
-                  <a:schemeClr val="tx1">
-                    <a:tint val="75000"/>
-                  </a:schemeClr>
-                </a:solidFill>
-              </a:defRPr>
-            </a:lvl2pPr>
-            <a:lvl3pPr marL="914400" indent="0">
-              <a:buNone/>
-              <a:defRPr sz="1600">
-                <a:solidFill>
-                  <a:schemeClr val="tx1">
-                    <a:tint val="75000"/>
-                  </a:schemeClr>
-                </a:solidFill>
-              </a:defRPr>
-            </a:lvl3pPr>
-            <a:lvl4pPr marL="1371600" indent="0">
-              <a:buNone/>
-              <a:defRPr sz="1400">
-                <a:solidFill>
-                  <a:schemeClr val="tx1">
-                    <a:tint val="75000"/>
-                  </a:schemeClr>
-                </a:solidFill>
-              </a:defRPr>
-            </a:lvl4pPr>
-            <a:lvl5pPr marL="1828800" indent="0">
-              <a:buNone/>
-              <a:defRPr sz="1400">
-                <a:solidFill>
-                  <a:schemeClr val="tx1">
-                    <a:tint val="75000"/>
-                  </a:schemeClr>
-                </a:solidFill>
-              </a:defRPr>
-            </a:lvl5pPr>
-            <a:lvl6pPr marL="2286000" indent="0">
-              <a:buNone/>
-              <a:defRPr sz="1400">
-                <a:solidFill>
-                  <a:schemeClr val="tx1">
-                    <a:tint val="75000"/>
-                  </a:schemeClr>
-                </a:solidFill>
-              </a:defRPr>
-            </a:lvl6pPr>
-            <a:lvl7pPr marL="2743200" indent="0">
-              <a:buNone/>
-              <a:defRPr sz="1400">
-                <a:solidFill>
-                  <a:schemeClr val="tx1">
-                    <a:tint val="75000"/>
-                  </a:schemeClr>
-                </a:solidFill>
-              </a:defRPr>
-            </a:lvl7pPr>
-            <a:lvl8pPr marL="3200400" indent="0">
-              <a:buNone/>
-              <a:defRPr sz="1400">
-                <a:solidFill>
-                  <a:schemeClr val="tx1">
-                    <a:tint val="75000"/>
-                  </a:schemeClr>
-                </a:solidFill>
-              </a:defRPr>
-            </a:lvl8pPr>
-            <a:lvl9pPr marL="3657600" indent="0">
-              <a:buNone/>
-              <a:defRPr sz="1400">
-                <a:solidFill>
-                  <a:schemeClr val="tx1">
-                    <a:tint val="75000"/>
-                  </a:schemeClr>
-                </a:solidFill>
-              </a:defRPr>
-            </a:lvl9pPr>
-          </a:lstStyle>
-          <a:p>
-            <a:pPr lvl="0"/>
-            <a:r>
-              <a:rPr lang="en-US"/>
-              <a:t>Click to edit Master text styles</a:t>
-            </a:r>
-          </a:p>
-        </p:txBody>
-      </p:sp>
       <p:cxnSp>
         <p:nvCxnSpPr>
-          <p:cNvPr id="9" name="Straight Connector 8">
-            <a:extLst>
-              <a:ext uri="{FF2B5EF4-FFF2-40B4-BE49-F238E27FC236}">
-                <a16:creationId xmlns:a16="http://schemas.microsoft.com/office/drawing/2014/main" id="{459DE2C1-4C52-40A3-8959-27B2C1BEBFF6}"/>
+          <p:cNvPr id="5" name="Straight Connector 4">
+            <a:extLst>
+              <a:ext uri="{FF2B5EF4-FFF2-40B4-BE49-F238E27FC236}">
+                <a16:creationId xmlns:a16="http://schemas.microsoft.com/office/drawing/2014/main" id="{C3569D5A-37FC-4D02-8F63-4CDC6470BBF4}"/>
               </a:ext>
             </a:extLst>
           </p:cNvPr>
@@ -1372,8 +1428,8 @@
         </p:nvCxnSpPr>
         <p:spPr>
           <a:xfrm>
-            <a:off x="1207658" y="4485132"/>
-            <a:ext cx="9875520" cy="0"/>
+            <a:off x="1208088" y="4484688"/>
+            <a:ext cx="9875837" cy="0"/>
           </a:xfrm>
           <a:prstGeom prst="line">
             <a:avLst/>
@@ -1404,10 +1460,172 @@
       </p:cxnSp>
       <p:sp>
         <p:nvSpPr>
-          <p:cNvPr id="7" name="Date Placeholder 6">
-            <a:extLst>
-              <a:ext uri="{FF2B5EF4-FFF2-40B4-BE49-F238E27FC236}">
-                <a16:creationId xmlns:a16="http://schemas.microsoft.com/office/drawing/2014/main" id="{AAF2E137-EC28-48F8-9198-1F02539029B6}"/>
+          <p:cNvPr id="2" name="Title 1"/>
+          <p:cNvSpPr>
+            <a:spLocks noGrp="1"/>
+          </p:cNvSpPr>
+          <p:nvPr>
+            <p:ph type="title"/>
+          </p:nvPr>
+        </p:nvSpPr>
+        <p:spPr>
+          <a:xfrm>
+            <a:off x="1097280" y="758952"/>
+            <a:ext cx="10058400" cy="3566160"/>
+          </a:xfrm>
+        </p:spPr>
+        <p:txBody>
+          <a:bodyPr anchorCtr="0"/>
+          <a:lstStyle>
+            <a:lvl1pPr>
+              <a:lnSpc>
+                <a:spcPct val="90000"/>
+              </a:lnSpc>
+              <a:defRPr sz="8000" b="0">
+                <a:solidFill>
+                  <a:schemeClr val="tx1">
+                    <a:lumMod val="85000"/>
+                    <a:lumOff val="15000"/>
+                  </a:schemeClr>
+                </a:solidFill>
+              </a:defRPr>
+            </a:lvl1pPr>
+          </a:lstStyle>
+          <a:p>
+            <a:r>
+              <a:rPr lang="en-US"/>
+              <a:t>Click to edit Master title style</a:t>
+            </a:r>
+            <a:endParaRPr lang="en-US" dirty="0"/>
+          </a:p>
+        </p:txBody>
+      </p:sp>
+      <p:sp>
+        <p:nvSpPr>
+          <p:cNvPr id="3" name="Text Placeholder 2"/>
+          <p:cNvSpPr>
+            <a:spLocks noGrp="1"/>
+          </p:cNvSpPr>
+          <p:nvPr>
+            <p:ph type="body" idx="1"/>
+          </p:nvPr>
+        </p:nvSpPr>
+        <p:spPr>
+          <a:xfrm>
+            <a:off x="1097280" y="4663440"/>
+            <a:ext cx="10058400" cy="1143000"/>
+          </a:xfrm>
+        </p:spPr>
+        <p:txBody>
+          <a:bodyPr lIns="91440" rIns="91440">
+            <a:normAutofit/>
+          </a:bodyPr>
+          <a:lstStyle>
+            <a:lvl1pPr marL="0" indent="0">
+              <a:buNone/>
+              <a:defRPr sz="2400" cap="all" spc="200" baseline="0">
+                <a:solidFill>
+                  <a:schemeClr val="tx1"/>
+                </a:solidFill>
+                <a:latin typeface="+mn-lt"/>
+              </a:defRPr>
+            </a:lvl1pPr>
+            <a:lvl2pPr marL="457200" indent="0">
+              <a:buNone/>
+              <a:defRPr sz="1800">
+                <a:solidFill>
+                  <a:schemeClr val="tx1">
+                    <a:tint val="75000"/>
+                  </a:schemeClr>
+                </a:solidFill>
+              </a:defRPr>
+            </a:lvl2pPr>
+            <a:lvl3pPr marL="914400" indent="0">
+              <a:buNone/>
+              <a:defRPr sz="1600">
+                <a:solidFill>
+                  <a:schemeClr val="tx1">
+                    <a:tint val="75000"/>
+                  </a:schemeClr>
+                </a:solidFill>
+              </a:defRPr>
+            </a:lvl3pPr>
+            <a:lvl4pPr marL="1371600" indent="0">
+              <a:buNone/>
+              <a:defRPr sz="1400">
+                <a:solidFill>
+                  <a:schemeClr val="tx1">
+                    <a:tint val="75000"/>
+                  </a:schemeClr>
+                </a:solidFill>
+              </a:defRPr>
+            </a:lvl4pPr>
+            <a:lvl5pPr marL="1828800" indent="0">
+              <a:buNone/>
+              <a:defRPr sz="1400">
+                <a:solidFill>
+                  <a:schemeClr val="tx1">
+                    <a:tint val="75000"/>
+                  </a:schemeClr>
+                </a:solidFill>
+              </a:defRPr>
+            </a:lvl5pPr>
+            <a:lvl6pPr marL="2286000" indent="0">
+              <a:buNone/>
+              <a:defRPr sz="1400">
+                <a:solidFill>
+                  <a:schemeClr val="tx1">
+                    <a:tint val="75000"/>
+                  </a:schemeClr>
+                </a:solidFill>
+              </a:defRPr>
+            </a:lvl6pPr>
+            <a:lvl7pPr marL="2743200" indent="0">
+              <a:buNone/>
+              <a:defRPr sz="1400">
+                <a:solidFill>
+                  <a:schemeClr val="tx1">
+                    <a:tint val="75000"/>
+                  </a:schemeClr>
+                </a:solidFill>
+              </a:defRPr>
+            </a:lvl7pPr>
+            <a:lvl8pPr marL="3200400" indent="0">
+              <a:buNone/>
+              <a:defRPr sz="1400">
+                <a:solidFill>
+                  <a:schemeClr val="tx1">
+                    <a:tint val="75000"/>
+                  </a:schemeClr>
+                </a:solidFill>
+              </a:defRPr>
+            </a:lvl8pPr>
+            <a:lvl9pPr marL="3657600" indent="0">
+              <a:buNone/>
+              <a:defRPr sz="1400">
+                <a:solidFill>
+                  <a:schemeClr val="tx1">
+                    <a:tint val="75000"/>
+                  </a:schemeClr>
+                </a:solidFill>
+              </a:defRPr>
+            </a:lvl9pPr>
+          </a:lstStyle>
+          <a:p>
+            <a:pPr lvl="0"/>
+            <a:r>
+              <a:rPr lang="en-US"/>
+              <a:t>Click to edit Master text styles</a:t>
+            </a:r>
+          </a:p>
+        </p:txBody>
+      </p:sp>
+      <p:sp>
+        <p:nvSpPr>
+          <p:cNvPr id="6" name="Date Placeholder 6">
+            <a:extLst>
+              <a:ext uri="{FF2B5EF4-FFF2-40B4-BE49-F238E27FC236}">
+                <a16:creationId xmlns:a16="http://schemas.microsoft.com/office/drawing/2014/main" id="{5A1467D6-7C35-42CB-A2A5-D23B7064A1E3}"/>
               </a:ext>
             </a:extLst>
           </p:cNvPr>
@@ -1421,11 +1639,21 @@
         <p:spPr/>
         <p:txBody>
           <a:bodyPr/>
-          <a:lstStyle/>
-          <a:p>
-            <a:fld id="{97669AF7-7BEB-44E4-9852-375E34362B5B}" type="datetime1">
-              <a:rPr lang="en-US" smtClean="0"/>
-              <a:t>1/19/2021</a:t>
+          <a:lstStyle>
+            <a:lvl1pPr>
+              <a:defRPr/>
+            </a:lvl1pPr>
+          </a:lstStyle>
+          <a:p>
+            <a:pPr>
+              <a:defRPr/>
+            </a:pPr>
+            <a:fld id="{0450B1D2-4C44-4495-AAE1-246826547A38}" type="datetime1">
+              <a:rPr lang="en-US"/>
+              <a:pPr>
+                <a:defRPr/>
+              </a:pPr>
+              <a:t>1/24/2021</a:t>
             </a:fld>
             <a:endParaRPr lang="en-US" dirty="0"/>
           </a:p>
@@ -1433,10 +1661,10 @@
       </p:sp>
       <p:sp>
         <p:nvSpPr>
-          <p:cNvPr id="8" name="Footer Placeholder 7">
-            <a:extLst>
-              <a:ext uri="{FF2B5EF4-FFF2-40B4-BE49-F238E27FC236}">
-                <a16:creationId xmlns:a16="http://schemas.microsoft.com/office/drawing/2014/main" id="{189422CD-6F62-4DD6-89EF-07A60B42D219}"/>
+          <p:cNvPr id="7" name="Footer Placeholder 7">
+            <a:extLst>
+              <a:ext uri="{FF2B5EF4-FFF2-40B4-BE49-F238E27FC236}">
+                <a16:creationId xmlns:a16="http://schemas.microsoft.com/office/drawing/2014/main" id="{EF795C08-83FF-41B3-898B-F42371DA1211}"/>
               </a:ext>
             </a:extLst>
           </p:cNvPr>
@@ -1450,18 +1678,25 @@
         <p:spPr/>
         <p:txBody>
           <a:bodyPr/>
-          <a:lstStyle/>
-          <a:p>
-            <a:endParaRPr lang="en-US" dirty="0"/>
-          </a:p>
-        </p:txBody>
-      </p:sp>
-      <p:sp>
-        <p:nvSpPr>
-          <p:cNvPr id="11" name="Slide Number Placeholder 10">
-            <a:extLst>
-              <a:ext uri="{FF2B5EF4-FFF2-40B4-BE49-F238E27FC236}">
-                <a16:creationId xmlns:a16="http://schemas.microsoft.com/office/drawing/2014/main" id="{69C6AFF8-42B4-4D05-969B-9F5FB3355555}"/>
+          <a:lstStyle>
+            <a:lvl1pPr>
+              <a:defRPr/>
+            </a:lvl1pPr>
+          </a:lstStyle>
+          <a:p>
+            <a:pPr>
+              <a:defRPr/>
+            </a:pPr>
+            <a:endParaRPr lang="en-US"/>
+          </a:p>
+        </p:txBody>
+      </p:sp>
+      <p:sp>
+        <p:nvSpPr>
+          <p:cNvPr id="8" name="Slide Number Placeholder 10">
+            <a:extLst>
+              <a:ext uri="{FF2B5EF4-FFF2-40B4-BE49-F238E27FC236}">
+                <a16:creationId xmlns:a16="http://schemas.microsoft.com/office/drawing/2014/main" id="{C4817033-0F98-45FB-AB98-D71A4A1F33D8}"/>
               </a:ext>
             </a:extLst>
           </p:cNvPr>
@@ -1475,10 +1710,20 @@
         <p:spPr/>
         <p:txBody>
           <a:bodyPr/>
-          <a:lstStyle/>
-          <a:p>
-            <a:fld id="{3A98EE3D-8CD1-4C3F-BD1C-C98C9596463C}" type="slidenum">
-              <a:rPr lang="en-US" smtClean="0"/>
+          <a:lstStyle>
+            <a:lvl1pPr>
+              <a:defRPr/>
+            </a:lvl1pPr>
+          </a:lstStyle>
+          <a:p>
+            <a:pPr>
+              <a:defRPr/>
+            </a:pPr>
+            <a:fld id="{70CC3E15-6229-4118-8DD5-A60967533BED}" type="slidenum">
+              <a:rPr lang="en-US"/>
+              <a:pPr>
+                <a:defRPr/>
+              </a:pPr>
               <a:t>‹#›</a:t>
             </a:fld>
             <a:endParaRPr lang="en-US" dirty="0"/>
@@ -1488,7 +1733,7 @@
     </p:spTree>
     <p:extLst>
       <p:ext uri="{BB962C8B-B14F-4D97-AF65-F5344CB8AC3E}">
-        <p14:creationId xmlns:p14="http://schemas.microsoft.com/office/powerpoint/2010/main" val="3304162564"/>
+        <p14:creationId xmlns:p14="http://schemas.microsoft.com/office/powerpoint/2010/main" val="1980263434"/>
       </p:ext>
     </p:extLst>
   </p:cSld>
@@ -1659,10 +1904,10 @@
       </p:sp>
       <p:sp>
         <p:nvSpPr>
-          <p:cNvPr id="2" name="Date Placeholder 1">
-            <a:extLst>
-              <a:ext uri="{FF2B5EF4-FFF2-40B4-BE49-F238E27FC236}">
-                <a16:creationId xmlns:a16="http://schemas.microsoft.com/office/drawing/2014/main" id="{5782D47D-B0DC-4C40-BCC6-BBBA32584A38}"/>
+          <p:cNvPr id="5" name="Date Placeholder 3">
+            <a:extLst>
+              <a:ext uri="{FF2B5EF4-FFF2-40B4-BE49-F238E27FC236}">
+                <a16:creationId xmlns:a16="http://schemas.microsoft.com/office/drawing/2014/main" id="{B856FB45-7282-4B50-B6A3-E980C85F2C45}"/>
               </a:ext>
             </a:extLst>
           </p:cNvPr>
@@ -1676,11 +1921,21 @@
         <p:spPr/>
         <p:txBody>
           <a:bodyPr/>
-          <a:lstStyle/>
-          <a:p>
-            <a:fld id="{BAAAC38D-0552-4C82-B593-E6124DFADBE2}" type="datetime1">
-              <a:rPr lang="en-US" smtClean="0"/>
-              <a:t>1/19/2021</a:t>
+          <a:lstStyle>
+            <a:lvl1pPr>
+              <a:defRPr/>
+            </a:lvl1pPr>
+          </a:lstStyle>
+          <a:p>
+            <a:pPr>
+              <a:defRPr/>
+            </a:pPr>
+            <a:fld id="{FFC105EA-A48B-4253-86E3-1E380E54346E}" type="datetime1">
+              <a:rPr lang="en-US"/>
+              <a:pPr>
+                <a:defRPr/>
+              </a:pPr>
+              <a:t>1/24/2021</a:t>
             </a:fld>
             <a:endParaRPr lang="en-US" dirty="0"/>
           </a:p>
@@ -1688,10 +1943,10 @@
       </p:sp>
       <p:sp>
         <p:nvSpPr>
-          <p:cNvPr id="9" name="Footer Placeholder 8">
-            <a:extLst>
-              <a:ext uri="{FF2B5EF4-FFF2-40B4-BE49-F238E27FC236}">
-                <a16:creationId xmlns:a16="http://schemas.microsoft.com/office/drawing/2014/main" id="{4690D34E-7EBD-44B2-83CA-4C126A18D7EF}"/>
+          <p:cNvPr id="6" name="Footer Placeholder 4">
+            <a:extLst>
+              <a:ext uri="{FF2B5EF4-FFF2-40B4-BE49-F238E27FC236}">
+                <a16:creationId xmlns:a16="http://schemas.microsoft.com/office/drawing/2014/main" id="{47B91DA1-E665-401D-AF79-20E9EBB0E09D}"/>
               </a:ext>
             </a:extLst>
           </p:cNvPr>
@@ -1705,18 +1960,25 @@
         <p:spPr/>
         <p:txBody>
           <a:bodyPr/>
-          <a:lstStyle/>
-          <a:p>
-            <a:endParaRPr lang="en-US" dirty="0"/>
-          </a:p>
-        </p:txBody>
-      </p:sp>
-      <p:sp>
-        <p:nvSpPr>
-          <p:cNvPr id="10" name="Slide Number Placeholder 9">
-            <a:extLst>
-              <a:ext uri="{FF2B5EF4-FFF2-40B4-BE49-F238E27FC236}">
-                <a16:creationId xmlns:a16="http://schemas.microsoft.com/office/drawing/2014/main" id="{2AC511A1-9BBD-42DE-92FB-2AF44F8E97A9}"/>
+          <a:lstStyle>
+            <a:lvl1pPr>
+              <a:defRPr/>
+            </a:lvl1pPr>
+          </a:lstStyle>
+          <a:p>
+            <a:pPr>
+              <a:defRPr/>
+            </a:pPr>
+            <a:endParaRPr lang="en-US"/>
+          </a:p>
+        </p:txBody>
+      </p:sp>
+      <p:sp>
+        <p:nvSpPr>
+          <p:cNvPr id="7" name="Slide Number Placeholder 5">
+            <a:extLst>
+              <a:ext uri="{FF2B5EF4-FFF2-40B4-BE49-F238E27FC236}">
+                <a16:creationId xmlns:a16="http://schemas.microsoft.com/office/drawing/2014/main" id="{0A8C39FF-F6FF-4B68-BA7C-B2327B3E47FB}"/>
               </a:ext>
             </a:extLst>
           </p:cNvPr>
@@ -1730,10 +1992,20 @@
         <p:spPr/>
         <p:txBody>
           <a:bodyPr/>
-          <a:lstStyle/>
-          <a:p>
-            <a:fld id="{3A98EE3D-8CD1-4C3F-BD1C-C98C9596463C}" type="slidenum">
-              <a:rPr lang="en-US" smtClean="0"/>
+          <a:lstStyle>
+            <a:lvl1pPr>
+              <a:defRPr/>
+            </a:lvl1pPr>
+          </a:lstStyle>
+          <a:p>
+            <a:pPr>
+              <a:defRPr/>
+            </a:pPr>
+            <a:fld id="{190456B4-5DD7-41C0-AF78-10F1E6619950}" type="slidenum">
+              <a:rPr lang="en-US"/>
+              <a:pPr>
+                <a:defRPr/>
+              </a:pPr>
               <a:t>‹#›</a:t>
             </a:fld>
             <a:endParaRPr lang="en-US" dirty="0"/>
@@ -1743,7 +2015,7 @@
     </p:spTree>
     <p:extLst>
       <p:ext uri="{BB962C8B-B14F-4D97-AF65-F5344CB8AC3E}">
-        <p14:creationId xmlns:p14="http://schemas.microsoft.com/office/powerpoint/2010/main" val="4256663047"/>
+        <p14:creationId xmlns:p14="http://schemas.microsoft.com/office/powerpoint/2010/main" val="1706195575"/>
       </p:ext>
     </p:extLst>
   </p:cSld>
@@ -2056,10 +2328,10 @@
       </p:sp>
       <p:sp>
         <p:nvSpPr>
-          <p:cNvPr id="2" name="Date Placeholder 1">
-            <a:extLst>
-              <a:ext uri="{FF2B5EF4-FFF2-40B4-BE49-F238E27FC236}">
-                <a16:creationId xmlns:a16="http://schemas.microsoft.com/office/drawing/2014/main" id="{8AF8A515-AA94-45D1-9223-5C2272618D85}"/>
+          <p:cNvPr id="7" name="Date Placeholder 3">
+            <a:extLst>
+              <a:ext uri="{FF2B5EF4-FFF2-40B4-BE49-F238E27FC236}">
+                <a16:creationId xmlns:a16="http://schemas.microsoft.com/office/drawing/2014/main" id="{97F23D24-5287-4CE3-BFFD-42019AF61746}"/>
               </a:ext>
             </a:extLst>
           </p:cNvPr>
@@ -2073,11 +2345,21 @@
         <p:spPr/>
         <p:txBody>
           <a:bodyPr/>
-          <a:lstStyle/>
-          <a:p>
-            <a:fld id="{D9DF0F1C-5577-4ACB-BB62-DF8F3C494C7E}" type="datetime1">
-              <a:rPr lang="en-US" smtClean="0"/>
-              <a:t>1/19/2021</a:t>
+          <a:lstStyle>
+            <a:lvl1pPr>
+              <a:defRPr/>
+            </a:lvl1pPr>
+          </a:lstStyle>
+          <a:p>
+            <a:pPr>
+              <a:defRPr/>
+            </a:pPr>
+            <a:fld id="{95CFBB60-ECA9-4D5B-B7FC-B61ADD51D429}" type="datetime1">
+              <a:rPr lang="en-US"/>
+              <a:pPr>
+                <a:defRPr/>
+              </a:pPr>
+              <a:t>1/24/2021</a:t>
             </a:fld>
             <a:endParaRPr lang="en-US" dirty="0"/>
           </a:p>
@@ -2085,10 +2367,10 @@
       </p:sp>
       <p:sp>
         <p:nvSpPr>
-          <p:cNvPr id="11" name="Footer Placeholder 10">
-            <a:extLst>
-              <a:ext uri="{FF2B5EF4-FFF2-40B4-BE49-F238E27FC236}">
-                <a16:creationId xmlns:a16="http://schemas.microsoft.com/office/drawing/2014/main" id="{D052F5BC-98E0-4D60-AD67-9547738B7DD4}"/>
+          <p:cNvPr id="8" name="Footer Placeholder 4">
+            <a:extLst>
+              <a:ext uri="{FF2B5EF4-FFF2-40B4-BE49-F238E27FC236}">
+                <a16:creationId xmlns:a16="http://schemas.microsoft.com/office/drawing/2014/main" id="{484CF58A-FD0D-4775-8F05-83AEFAF134D4}"/>
               </a:ext>
             </a:extLst>
           </p:cNvPr>
@@ -2102,18 +2384,25 @@
         <p:spPr/>
         <p:txBody>
           <a:bodyPr/>
-          <a:lstStyle/>
-          <a:p>
-            <a:endParaRPr lang="en-US" dirty="0"/>
-          </a:p>
-        </p:txBody>
-      </p:sp>
-      <p:sp>
-        <p:nvSpPr>
-          <p:cNvPr id="12" name="Slide Number Placeholder 11">
-            <a:extLst>
-              <a:ext uri="{FF2B5EF4-FFF2-40B4-BE49-F238E27FC236}">
-                <a16:creationId xmlns:a16="http://schemas.microsoft.com/office/drawing/2014/main" id="{A38552DC-952E-41EA-AAAF-C2187523C0B0}"/>
+          <a:lstStyle>
+            <a:lvl1pPr>
+              <a:defRPr/>
+            </a:lvl1pPr>
+          </a:lstStyle>
+          <a:p>
+            <a:pPr>
+              <a:defRPr/>
+            </a:pPr>
+            <a:endParaRPr lang="en-US"/>
+          </a:p>
+        </p:txBody>
+      </p:sp>
+      <p:sp>
+        <p:nvSpPr>
+          <p:cNvPr id="9" name="Slide Number Placeholder 5">
+            <a:extLst>
+              <a:ext uri="{FF2B5EF4-FFF2-40B4-BE49-F238E27FC236}">
+                <a16:creationId xmlns:a16="http://schemas.microsoft.com/office/drawing/2014/main" id="{D8042115-84F9-4D80-9B74-F6BBCEA64E88}"/>
               </a:ext>
             </a:extLst>
           </p:cNvPr>
@@ -2127,10 +2416,20 @@
         <p:spPr/>
         <p:txBody>
           <a:bodyPr/>
-          <a:lstStyle/>
-          <a:p>
-            <a:fld id="{3A98EE3D-8CD1-4C3F-BD1C-C98C9596463C}" type="slidenum">
-              <a:rPr lang="en-US" smtClean="0"/>
+          <a:lstStyle>
+            <a:lvl1pPr>
+              <a:defRPr/>
+            </a:lvl1pPr>
+          </a:lstStyle>
+          <a:p>
+            <a:pPr>
+              <a:defRPr/>
+            </a:pPr>
+            <a:fld id="{C3C244E6-131C-4C80-A203-9FE1B230DE16}" type="slidenum">
+              <a:rPr lang="en-US"/>
+              <a:pPr>
+                <a:defRPr/>
+              </a:pPr>
               <a:t>‹#›</a:t>
             </a:fld>
             <a:endParaRPr lang="en-US" dirty="0"/>
@@ -2140,7 +2439,7 @@
     </p:spTree>
     <p:extLst>
       <p:ext uri="{BB962C8B-B14F-4D97-AF65-F5344CB8AC3E}">
-        <p14:creationId xmlns:p14="http://schemas.microsoft.com/office/powerpoint/2010/main" val="3068194699"/>
+        <p14:creationId xmlns:p14="http://schemas.microsoft.com/office/powerpoint/2010/main" val="2861103662"/>
       </p:ext>
     </p:extLst>
   </p:cSld>
@@ -2192,10 +2491,10 @@
       </p:sp>
       <p:sp>
         <p:nvSpPr>
-          <p:cNvPr id="6" name="Date Placeholder 5">
-            <a:extLst>
-              <a:ext uri="{FF2B5EF4-FFF2-40B4-BE49-F238E27FC236}">
-                <a16:creationId xmlns:a16="http://schemas.microsoft.com/office/drawing/2014/main" id="{7392073F-158F-44A3-8913-917AFFC1BC20}"/>
+          <p:cNvPr id="3" name="Date Placeholder 3">
+            <a:extLst>
+              <a:ext uri="{FF2B5EF4-FFF2-40B4-BE49-F238E27FC236}">
+                <a16:creationId xmlns:a16="http://schemas.microsoft.com/office/drawing/2014/main" id="{7FE49AA8-4F22-4DBD-8823-0A053A3C2513}"/>
               </a:ext>
             </a:extLst>
           </p:cNvPr>
@@ -2209,11 +2508,21 @@
         <p:spPr/>
         <p:txBody>
           <a:bodyPr/>
-          <a:lstStyle/>
-          <a:p>
-            <a:fld id="{1775B394-D9F9-4F0C-B15D-605F45CB9E9F}" type="datetime1">
-              <a:rPr lang="en-US" smtClean="0"/>
-              <a:t>1/19/2021</a:t>
+          <a:lstStyle>
+            <a:lvl1pPr>
+              <a:defRPr/>
+            </a:lvl1pPr>
+          </a:lstStyle>
+          <a:p>
+            <a:pPr>
+              <a:defRPr/>
+            </a:pPr>
+            <a:fld id="{F08AA962-787A-4E4C-A391-2B8D578D14FD}" type="datetime1">
+              <a:rPr lang="en-US"/>
+              <a:pPr>
+                <a:defRPr/>
+              </a:pPr>
+              <a:t>1/24/2021</a:t>
             </a:fld>
             <a:endParaRPr lang="en-US" dirty="0"/>
           </a:p>
@@ -2221,10 +2530,10 @@
       </p:sp>
       <p:sp>
         <p:nvSpPr>
-          <p:cNvPr id="7" name="Footer Placeholder 6">
-            <a:extLst>
-              <a:ext uri="{FF2B5EF4-FFF2-40B4-BE49-F238E27FC236}">
-                <a16:creationId xmlns:a16="http://schemas.microsoft.com/office/drawing/2014/main" id="{EED72207-24CA-42B7-A975-2F8E41CBA904}"/>
+          <p:cNvPr id="4" name="Footer Placeholder 4">
+            <a:extLst>
+              <a:ext uri="{FF2B5EF4-FFF2-40B4-BE49-F238E27FC236}">
+                <a16:creationId xmlns:a16="http://schemas.microsoft.com/office/drawing/2014/main" id="{14CEE238-A4CA-4DF2-A052-25C9DD4EADBD}"/>
               </a:ext>
             </a:extLst>
           </p:cNvPr>
@@ -2238,18 +2547,25 @@
         <p:spPr/>
         <p:txBody>
           <a:bodyPr/>
-          <a:lstStyle/>
-          <a:p>
-            <a:endParaRPr lang="en-US" dirty="0"/>
-          </a:p>
-        </p:txBody>
-      </p:sp>
-      <p:sp>
-        <p:nvSpPr>
-          <p:cNvPr id="8" name="Slide Number Placeholder 7">
-            <a:extLst>
-              <a:ext uri="{FF2B5EF4-FFF2-40B4-BE49-F238E27FC236}">
-                <a16:creationId xmlns:a16="http://schemas.microsoft.com/office/drawing/2014/main" id="{D01080F2-251A-4B88-9A62-16F46D724F83}"/>
+          <a:lstStyle>
+            <a:lvl1pPr>
+              <a:defRPr/>
+            </a:lvl1pPr>
+          </a:lstStyle>
+          <a:p>
+            <a:pPr>
+              <a:defRPr/>
+            </a:pPr>
+            <a:endParaRPr lang="en-US"/>
+          </a:p>
+        </p:txBody>
+      </p:sp>
+      <p:sp>
+        <p:nvSpPr>
+          <p:cNvPr id="5" name="Slide Number Placeholder 5">
+            <a:extLst>
+              <a:ext uri="{FF2B5EF4-FFF2-40B4-BE49-F238E27FC236}">
+                <a16:creationId xmlns:a16="http://schemas.microsoft.com/office/drawing/2014/main" id="{B729C4BB-8CCE-46D9-ABC4-DF0E6F862CD7}"/>
               </a:ext>
             </a:extLst>
           </p:cNvPr>
@@ -2263,10 +2579,20 @@
         <p:spPr/>
         <p:txBody>
           <a:bodyPr/>
-          <a:lstStyle/>
-          <a:p>
-            <a:fld id="{3A98EE3D-8CD1-4C3F-BD1C-C98C9596463C}" type="slidenum">
-              <a:rPr lang="en-US" smtClean="0"/>
+          <a:lstStyle>
+            <a:lvl1pPr>
+              <a:defRPr/>
+            </a:lvl1pPr>
+          </a:lstStyle>
+          <a:p>
+            <a:pPr>
+              <a:defRPr/>
+            </a:pPr>
+            <a:fld id="{D496714F-11C5-444D-A5D1-F7BC5ADFD98D}" type="slidenum">
+              <a:rPr lang="en-US"/>
+              <a:pPr>
+                <a:defRPr/>
+              </a:pPr>
               <a:t>‹#›</a:t>
             </a:fld>
             <a:endParaRPr lang="en-US" dirty="0"/>
@@ -2276,7 +2602,7 @@
     </p:spTree>
     <p:extLst>
       <p:ext uri="{BB962C8B-B14F-4D97-AF65-F5344CB8AC3E}">
-        <p14:creationId xmlns:p14="http://schemas.microsoft.com/office/powerpoint/2010/main" val="811860513"/>
+        <p14:creationId xmlns:p14="http://schemas.microsoft.com/office/powerpoint/2010/main" val="1330041081"/>
       </p:ext>
     </p:extLst>
   </p:cSld>
@@ -2305,10 +2631,10 @@
       </p:grpSpPr>
       <p:sp>
         <p:nvSpPr>
-          <p:cNvPr id="10" name="Rectangle 9">
-            <a:extLst>
-              <a:ext uri="{FF2B5EF4-FFF2-40B4-BE49-F238E27FC236}">
-                <a16:creationId xmlns:a16="http://schemas.microsoft.com/office/drawing/2014/main" id="{A8E9C91B-7EAD-4562-AB0E-DFB9663AECE3}"/>
+          <p:cNvPr id="2" name="Rectangle 1">
+            <a:extLst>
+              <a:ext uri="{FF2B5EF4-FFF2-40B4-BE49-F238E27FC236}">
+                <a16:creationId xmlns:a16="http://schemas.microsoft.com/office/drawing/2014/main" id="{9B7600C6-A95D-4A7E-8AB2-088CDB0B5099}"/>
               </a:ext>
             </a:extLst>
           </p:cNvPr>
@@ -2349,10 +2675,10 @@
       </p:sp>
       <p:sp>
         <p:nvSpPr>
-          <p:cNvPr id="2" name="Date Placeholder 1">
-            <a:extLst>
-              <a:ext uri="{FF2B5EF4-FFF2-40B4-BE49-F238E27FC236}">
-                <a16:creationId xmlns:a16="http://schemas.microsoft.com/office/drawing/2014/main" id="{94E9223F-721F-47BF-9FD5-0F8D12FF0DE1}"/>
+          <p:cNvPr id="3" name="Date Placeholder 1">
+            <a:extLst>
+              <a:ext uri="{FF2B5EF4-FFF2-40B4-BE49-F238E27FC236}">
+                <a16:creationId xmlns:a16="http://schemas.microsoft.com/office/drawing/2014/main" id="{B3E7284C-70A1-4CF9-BB30-7177C7AB4375}"/>
               </a:ext>
             </a:extLst>
           </p:cNvPr>
@@ -2366,11 +2692,21 @@
         <p:spPr/>
         <p:txBody>
           <a:bodyPr/>
-          <a:lstStyle/>
-          <a:p>
-            <a:fld id="{39667345-2558-425A-8533-9BFDBCE15005}" type="datetime1">
-              <a:rPr lang="en-US" smtClean="0"/>
-              <a:t>1/19/2021</a:t>
+          <a:lstStyle>
+            <a:lvl1pPr>
+              <a:defRPr/>
+            </a:lvl1pPr>
+          </a:lstStyle>
+          <a:p>
+            <a:pPr>
+              <a:defRPr/>
+            </a:pPr>
+            <a:fld id="{29414043-CF08-4650-99CE-948F35695911}" type="datetime1">
+              <a:rPr lang="en-US"/>
+              <a:pPr>
+                <a:defRPr/>
+              </a:pPr>
+              <a:t>1/24/2021</a:t>
             </a:fld>
             <a:endParaRPr lang="en-US" dirty="0"/>
           </a:p>
@@ -2378,10 +2714,10 @@
       </p:sp>
       <p:sp>
         <p:nvSpPr>
-          <p:cNvPr id="3" name="Footer Placeholder 2">
-            <a:extLst>
-              <a:ext uri="{FF2B5EF4-FFF2-40B4-BE49-F238E27FC236}">
-                <a16:creationId xmlns:a16="http://schemas.microsoft.com/office/drawing/2014/main" id="{05915714-6BBA-4593-8591-4E26F7D58D9F}"/>
+          <p:cNvPr id="4" name="Footer Placeholder 2">
+            <a:extLst>
+              <a:ext uri="{FF2B5EF4-FFF2-40B4-BE49-F238E27FC236}">
+                <a16:creationId xmlns:a16="http://schemas.microsoft.com/office/drawing/2014/main" id="{7C7154A7-115E-46AE-AC1A-069D5DEF5ED6}"/>
               </a:ext>
             </a:extLst>
           </p:cNvPr>
@@ -2395,18 +2731,25 @@
         <p:spPr/>
         <p:txBody>
           <a:bodyPr/>
-          <a:lstStyle/>
-          <a:p>
-            <a:endParaRPr lang="en-US" dirty="0"/>
-          </a:p>
-        </p:txBody>
-      </p:sp>
-      <p:sp>
-        <p:nvSpPr>
-          <p:cNvPr id="4" name="Slide Number Placeholder 3">
-            <a:extLst>
-              <a:ext uri="{FF2B5EF4-FFF2-40B4-BE49-F238E27FC236}">
-                <a16:creationId xmlns:a16="http://schemas.microsoft.com/office/drawing/2014/main" id="{BE06F857-D2E1-44DD-ABDD-EBB739645B67}"/>
+          <a:lstStyle>
+            <a:lvl1pPr>
+              <a:defRPr/>
+            </a:lvl1pPr>
+          </a:lstStyle>
+          <a:p>
+            <a:pPr>
+              <a:defRPr/>
+            </a:pPr>
+            <a:endParaRPr lang="en-US"/>
+          </a:p>
+        </p:txBody>
+      </p:sp>
+      <p:sp>
+        <p:nvSpPr>
+          <p:cNvPr id="5" name="Slide Number Placeholder 3">
+            <a:extLst>
+              <a:ext uri="{FF2B5EF4-FFF2-40B4-BE49-F238E27FC236}">
+                <a16:creationId xmlns:a16="http://schemas.microsoft.com/office/drawing/2014/main" id="{69DEAFD6-EF7E-4F07-A88B-E15C89BF0800}"/>
               </a:ext>
             </a:extLst>
           </p:cNvPr>
@@ -2420,10 +2763,20 @@
         <p:spPr/>
         <p:txBody>
           <a:bodyPr/>
-          <a:lstStyle/>
-          <a:p>
-            <a:fld id="{3A98EE3D-8CD1-4C3F-BD1C-C98C9596463C}" type="slidenum">
-              <a:rPr lang="en-US" smtClean="0"/>
+          <a:lstStyle>
+            <a:lvl1pPr>
+              <a:defRPr/>
+            </a:lvl1pPr>
+          </a:lstStyle>
+          <a:p>
+            <a:pPr>
+              <a:defRPr/>
+            </a:pPr>
+            <a:fld id="{BDFE8111-48B7-4261-BB27-E7535DE3B88B}" type="slidenum">
+              <a:rPr lang="en-US"/>
+              <a:pPr>
+                <a:defRPr/>
+              </a:pPr>
               <a:t>‹#›</a:t>
             </a:fld>
             <a:endParaRPr lang="en-US" dirty="0"/>
@@ -2433,7 +2786,7 @@
     </p:spTree>
     <p:extLst>
       <p:ext uri="{BB962C8B-B14F-4D97-AF65-F5344CB8AC3E}">
-        <p14:creationId xmlns:p14="http://schemas.microsoft.com/office/powerpoint/2010/main" val="2001422672"/>
+        <p14:creationId xmlns:p14="http://schemas.microsoft.com/office/powerpoint/2010/main" val="3795388214"/>
       </p:ext>
     </p:extLst>
   </p:cSld>
@@ -2462,10 +2815,10 @@
       </p:grpSpPr>
       <p:sp>
         <p:nvSpPr>
-          <p:cNvPr id="8" name="Rectangle 7">
-            <a:extLst>
-              <a:ext uri="{FF2B5EF4-FFF2-40B4-BE49-F238E27FC236}">
-                <a16:creationId xmlns:a16="http://schemas.microsoft.com/office/drawing/2014/main" id="{16D90D66-BCB9-4229-A829-628874352AC0}"/>
+          <p:cNvPr id="5" name="Rectangle 4">
+            <a:extLst>
+              <a:ext uri="{FF2B5EF4-FFF2-40B4-BE49-F238E27FC236}">
+                <a16:creationId xmlns:a16="http://schemas.microsoft.com/office/drawing/2014/main" id="{01F1E641-9EDE-4A16-ACE4-7E371283E344}"/>
               </a:ext>
             </a:extLst>
           </p:cNvPr>
@@ -2474,8 +2827,8 @@
         </p:nvSpPr>
         <p:spPr>
           <a:xfrm>
-            <a:off x="16" y="0"/>
-            <a:ext cx="4654296" cy="6858000"/>
+            <a:off x="0" y="0"/>
+            <a:ext cx="4654550" cy="6858000"/>
           </a:xfrm>
           <a:prstGeom prst="rect">
             <a:avLst/>
@@ -2521,9 +2874,7 @@
           </a:xfrm>
         </p:spPr>
         <p:txBody>
-          <a:bodyPr anchor="b">
-            <a:normAutofit/>
-          </a:bodyPr>
+          <a:bodyPr/>
           <a:lstStyle>
             <a:lvl1pPr>
               <a:lnSpc>
@@ -2675,7 +3026,13 @@
       </p:sp>
       <p:sp>
         <p:nvSpPr>
-          <p:cNvPr id="5" name="Date Placeholder 4"/>
+          <p:cNvPr id="6" name="Date Placeholder 4">
+            <a:extLst>
+              <a:ext uri="{FF2B5EF4-FFF2-40B4-BE49-F238E27FC236}">
+                <a16:creationId xmlns:a16="http://schemas.microsoft.com/office/drawing/2014/main" id="{12E3DBB6-7872-4017-A9C7-9CD27FE54FB2}"/>
+              </a:ext>
+            </a:extLst>
+          </p:cNvPr>
           <p:cNvSpPr>
             <a:spLocks noGrp="1"/>
           </p:cNvSpPr>
@@ -2685,21 +3042,27 @@
         </p:nvSpPr>
         <p:spPr>
           <a:xfrm>
-            <a:off x="643464" y="6446520"/>
-            <a:ext cx="3517568" cy="365125"/>
+            <a:off x="642938" y="6446838"/>
+            <a:ext cx="3517900" cy="365125"/>
           </a:xfrm>
         </p:spPr>
         <p:txBody>
           <a:bodyPr/>
           <a:lstStyle>
             <a:lvl1pPr algn="l">
-              <a:defRPr/>
+              <a:defRPr smtClean="0"/>
             </a:lvl1pPr>
           </a:lstStyle>
           <a:p>
-            <a:fld id="{92BEA474-078D-4E9B-9B14-09A87B19DC46}" type="datetime1">
-              <a:rPr lang="en-US" smtClean="0"/>
-              <a:t>1/19/2021</a:t>
+            <a:pPr>
+              <a:defRPr/>
+            </a:pPr>
+            <a:fld id="{89C07F5A-20DB-4761-99CB-C20FB7356154}" type="datetime1">
+              <a:rPr lang="en-US"/>
+              <a:pPr>
+                <a:defRPr/>
+              </a:pPr>
+              <a:t>1/24/2021</a:t>
             </a:fld>
             <a:endParaRPr lang="en-US" dirty="0"/>
           </a:p>
@@ -2707,7 +3070,13 @@
       </p:sp>
       <p:sp>
         <p:nvSpPr>
-          <p:cNvPr id="6" name="Footer Placeholder 5"/>
+          <p:cNvPr id="7" name="Footer Placeholder 5">
+            <a:extLst>
+              <a:ext uri="{FF2B5EF4-FFF2-40B4-BE49-F238E27FC236}">
+                <a16:creationId xmlns:a16="http://schemas.microsoft.com/office/drawing/2014/main" id="{E2F615EC-AA6E-46B7-9E0E-177525889C38}"/>
+              </a:ext>
+            </a:extLst>
+          </p:cNvPr>
           <p:cNvSpPr>
             <a:spLocks noGrp="1"/>
           </p:cNvSpPr>
@@ -2717,15 +3086,15 @@
         </p:nvSpPr>
         <p:spPr>
           <a:xfrm>
-            <a:off x="5458983" y="6446520"/>
-            <a:ext cx="5334019" cy="365125"/>
+            <a:off x="5459413" y="6446838"/>
+            <a:ext cx="5334000" cy="365125"/>
           </a:xfrm>
         </p:spPr>
         <p:txBody>
           <a:bodyPr/>
           <a:lstStyle>
             <a:lvl1pPr algn="l">
-              <a:defRPr>
+              <a:defRPr dirty="0">
                 <a:solidFill>
                   <a:schemeClr val="tx2"/>
                 </a:solidFill>
@@ -2733,13 +3102,22 @@
             </a:lvl1pPr>
           </a:lstStyle>
           <a:p>
-            <a:endParaRPr lang="en-US" dirty="0"/>
-          </a:p>
-        </p:txBody>
-      </p:sp>
-      <p:sp>
-        <p:nvSpPr>
-          <p:cNvPr id="7" name="Slide Number Placeholder 6"/>
+            <a:pPr>
+              <a:defRPr/>
+            </a:pPr>
+            <a:endParaRPr lang="en-US"/>
+          </a:p>
+        </p:txBody>
+      </p:sp>
+      <p:sp>
+        <p:nvSpPr>
+          <p:cNvPr id="8" name="Slide Number Placeholder 6">
+            <a:extLst>
+              <a:ext uri="{FF2B5EF4-FFF2-40B4-BE49-F238E27FC236}">
+                <a16:creationId xmlns:a16="http://schemas.microsoft.com/office/drawing/2014/main" id="{749BC3CF-A1BA-4DB8-8459-330B0A732426}"/>
+              </a:ext>
+            </a:extLst>
+          </p:cNvPr>
           <p:cNvSpPr>
             <a:spLocks noGrp="1"/>
           </p:cNvSpPr>
@@ -2752,7 +3130,7 @@
           <a:bodyPr/>
           <a:lstStyle>
             <a:lvl1pPr>
-              <a:defRPr>
+              <a:defRPr smtClean="0">
                 <a:solidFill>
                   <a:schemeClr val="tx2"/>
                 </a:solidFill>
@@ -2760,9 +3138,14 @@
             </a:lvl1pPr>
           </a:lstStyle>
           <a:p>
-            <a:fld id="{3A98EE3D-8CD1-4C3F-BD1C-C98C9596463C}" type="slidenum">
-              <a:rPr lang="en-US" smtClean="0"/>
-              <a:pPr/>
+            <a:pPr>
+              <a:defRPr/>
+            </a:pPr>
+            <a:fld id="{44AF3366-EC0C-4050-983B-D2D7024433F0}" type="slidenum">
+              <a:rPr lang="en-US"/>
+              <a:pPr>
+                <a:defRPr/>
+              </a:pPr>
               <a:t>‹#›</a:t>
             </a:fld>
             <a:endParaRPr lang="en-US" dirty="0"/>
@@ -2772,7 +3155,7 @@
     </p:spTree>
     <p:extLst>
       <p:ext uri="{BB962C8B-B14F-4D97-AF65-F5344CB8AC3E}">
-        <p14:creationId xmlns:p14="http://schemas.microsoft.com/office/powerpoint/2010/main" val="1933282235"/>
+        <p14:creationId xmlns:p14="http://schemas.microsoft.com/office/powerpoint/2010/main" val="2258833754"/>
       </p:ext>
     </p:extLst>
   </p:cSld>
@@ -2801,10 +3184,10 @@
       </p:grpSpPr>
       <p:sp>
         <p:nvSpPr>
-          <p:cNvPr id="8" name="Rectangle 7">
-            <a:extLst>
-              <a:ext uri="{FF2B5EF4-FFF2-40B4-BE49-F238E27FC236}">
-                <a16:creationId xmlns:a16="http://schemas.microsoft.com/office/drawing/2014/main" id="{DA134939-39C0-4522-A125-A13DFDA66490}"/>
+          <p:cNvPr id="5" name="Rectangle 4">
+            <a:extLst>
+              <a:ext uri="{FF2B5EF4-FFF2-40B4-BE49-F238E27FC236}">
+                <a16:creationId xmlns:a16="http://schemas.microsoft.com/office/drawing/2014/main" id="{DED3EEDE-52D7-42AD-AC75-9211538900EE}"/>
               </a:ext>
             </a:extLst>
           </p:cNvPr>
@@ -2865,7 +3248,9 @@
           </a:solidFill>
         </p:spPr>
         <p:txBody>
-          <a:bodyPr lIns="457200" tIns="457200" anchor="t"/>
+          <a:bodyPr lIns="457200" tIns="457200" rtlCol="0">
+            <a:normAutofit/>
+          </a:bodyPr>
           <a:lstStyle>
             <a:lvl1pPr marL="0" indent="0">
               <a:buNone/>
@@ -2905,11 +3290,12 @@
             </a:lvl9pPr>
           </a:lstStyle>
           <a:p>
-            <a:r>
-              <a:rPr lang="en-US"/>
+            <a:pPr lvl="0"/>
+            <a:r>
+              <a:rPr lang="en-US" noProof="0"/>
               <a:t>Click icon to add picture</a:t>
             </a:r>
-            <a:endParaRPr lang="en-US" dirty="0"/>
+            <a:endParaRPr lang="en-US" noProof="0" dirty="0"/>
           </a:p>
         </p:txBody>
       </p:sp>
@@ -2930,7 +3316,7 @@
           </a:xfrm>
         </p:spPr>
         <p:txBody>
-          <a:bodyPr tIns="0" bIns="0" anchor="b">
+          <a:bodyPr tIns="0" bIns="0">
             <a:noAutofit/>
           </a:bodyPr>
           <a:lstStyle>
@@ -3030,7 +3416,13 @@
       </p:sp>
       <p:sp>
         <p:nvSpPr>
-          <p:cNvPr id="5" name="Date Placeholder 4"/>
+          <p:cNvPr id="6" name="Date Placeholder 4">
+            <a:extLst>
+              <a:ext uri="{FF2B5EF4-FFF2-40B4-BE49-F238E27FC236}">
+                <a16:creationId xmlns:a16="http://schemas.microsoft.com/office/drawing/2014/main" id="{62A24EDB-B6DC-4256-98A2-D1AE21D4C757}"/>
+              </a:ext>
+            </a:extLst>
+          </p:cNvPr>
           <p:cNvSpPr>
             <a:spLocks noGrp="1"/>
           </p:cNvSpPr>
@@ -3043,13 +3435,19 @@
           <a:bodyPr/>
           <a:lstStyle>
             <a:lvl1pPr>
-              <a:defRPr/>
+              <a:defRPr smtClean="0"/>
             </a:lvl1pPr>
           </a:lstStyle>
           <a:p>
-            <a:fld id="{4907D986-8816-4272-A432-0437A28A9828}" type="datetime1">
-              <a:rPr lang="en-US" smtClean="0"/>
-              <a:t>1/19/2021</a:t>
+            <a:pPr>
+              <a:defRPr/>
+            </a:pPr>
+            <a:fld id="{109B20FB-A0E4-427B-B86A-B40D18E809E4}" type="datetime1">
+              <a:rPr lang="en-US"/>
+              <a:pPr>
+                <a:defRPr/>
+              </a:pPr>
+              <a:t>1/24/2021</a:t>
             </a:fld>
             <a:endParaRPr lang="en-US" dirty="0"/>
           </a:p>
@@ -3057,7 +3455,13 @@
       </p:sp>
       <p:sp>
         <p:nvSpPr>
-          <p:cNvPr id="6" name="Footer Placeholder 5"/>
+          <p:cNvPr id="7" name="Footer Placeholder 5">
+            <a:extLst>
+              <a:ext uri="{FF2B5EF4-FFF2-40B4-BE49-F238E27FC236}">
+                <a16:creationId xmlns:a16="http://schemas.microsoft.com/office/drawing/2014/main" id="{A2541977-4EBC-42F6-A63E-E0031C0F703A}"/>
+              </a:ext>
+            </a:extLst>
+          </p:cNvPr>
           <p:cNvSpPr>
             <a:spLocks noGrp="1"/>
           </p:cNvSpPr>
@@ -3065,24 +3469,31 @@
             <p:ph type="ftr" sz="quarter" idx="11"/>
           </p:nvPr>
         </p:nvSpPr>
-        <p:spPr>
-          <a:xfrm>
-            <a:off x="1097279" y="6446838"/>
-            <a:ext cx="6818262" cy="365125"/>
-          </a:xfrm>
-        </p:spPr>
+        <p:spPr/>
         <p:txBody>
           <a:bodyPr/>
-          <a:lstStyle/>
-          <a:p>
-            <a:pPr algn="l"/>
-            <a:endParaRPr lang="en-US" dirty="0"/>
-          </a:p>
-        </p:txBody>
-      </p:sp>
-      <p:sp>
-        <p:nvSpPr>
-          <p:cNvPr id="7" name="Slide Number Placeholder 6"/>
+          <a:lstStyle>
+            <a:lvl1pPr>
+              <a:defRPr/>
+            </a:lvl1pPr>
+          </a:lstStyle>
+          <a:p>
+            <a:pPr>
+              <a:defRPr/>
+            </a:pPr>
+            <a:endParaRPr lang="en-US"/>
+          </a:p>
+        </p:txBody>
+      </p:sp>
+      <p:sp>
+        <p:nvSpPr>
+          <p:cNvPr id="8" name="Slide Number Placeholder 6">
+            <a:extLst>
+              <a:ext uri="{FF2B5EF4-FFF2-40B4-BE49-F238E27FC236}">
+                <a16:creationId xmlns:a16="http://schemas.microsoft.com/office/drawing/2014/main" id="{3FBC408C-790B-4EA8-9ABE-84D0A7EE883C}"/>
+              </a:ext>
+            </a:extLst>
+          </p:cNvPr>
           <p:cNvSpPr>
             <a:spLocks noGrp="1"/>
           </p:cNvSpPr>
@@ -3093,10 +3504,20 @@
         <p:spPr/>
         <p:txBody>
           <a:bodyPr/>
-          <a:lstStyle/>
-          <a:p>
-            <a:fld id="{3A98EE3D-8CD1-4C3F-BD1C-C98C9596463C}" type="slidenum">
-              <a:rPr lang="en-US" smtClean="0"/>
+          <a:lstStyle>
+            <a:lvl1pPr>
+              <a:defRPr/>
+            </a:lvl1pPr>
+          </a:lstStyle>
+          <a:p>
+            <a:pPr>
+              <a:defRPr/>
+            </a:pPr>
+            <a:fld id="{4234054C-1C6B-40C0-8F47-706A077B5D9C}" type="slidenum">
+              <a:rPr lang="en-US"/>
+              <a:pPr>
+                <a:defRPr/>
+              </a:pPr>
               <a:t>‹#›</a:t>
             </a:fld>
             <a:endParaRPr lang="en-US" dirty="0"/>
@@ -3106,7 +3527,7 @@
     </p:spTree>
     <p:extLst>
       <p:ext uri="{BB962C8B-B14F-4D97-AF65-F5344CB8AC3E}">
-        <p14:creationId xmlns:p14="http://schemas.microsoft.com/office/powerpoint/2010/main" val="523267730"/>
+        <p14:creationId xmlns:p14="http://schemas.microsoft.com/office/powerpoint/2010/main" val="3887365771"/>
       </p:ext>
     </p:extLst>
   </p:cSld>
@@ -3120,9 +3541,12 @@
 <p:sldMaster xmlns:a="http://schemas.openxmlformats.org/drawingml/2006/main" xmlns:r="http://schemas.openxmlformats.org/officeDocument/2006/relationships" xmlns:p="http://schemas.openxmlformats.org/presentationml/2006/main">
   <p:cSld>
     <p:bg>
-      <p:bgRef idx="1001">
-        <a:schemeClr val="bg1"/>
-      </p:bgRef>
+      <p:bgPr>
+        <a:solidFill>
+          <a:schemeClr val="bg1"/>
+        </a:solidFill>
+        <a:effectLst/>
+      </p:bgPr>
     </p:bg>
     <p:spTree>
       <p:nvGrpSpPr>
@@ -3143,7 +3567,7 @@
           <p:cNvPr id="7" name="Rectangle 6">
             <a:extLst>
               <a:ext uri="{FF2B5EF4-FFF2-40B4-BE49-F238E27FC236}">
-                <a16:creationId xmlns:a16="http://schemas.microsoft.com/office/drawing/2014/main" id="{416A0E3C-60E6-4F39-BC55-5F7C224E1F7C}"/>
+                <a16:creationId xmlns:a16="http://schemas.microsoft.com/office/drawing/2014/main" id="{0B4105B3-3CAE-4AFE-8B52-36F0C01377B9}"/>
               </a:ext>
             </a:extLst>
           </p:cNvPr>
@@ -3184,7 +3608,13 @@
       </p:sp>
       <p:sp>
         <p:nvSpPr>
-          <p:cNvPr id="2" name="Title Placeholder 1"/>
+          <p:cNvPr id="2" name="Title Placeholder 1">
+            <a:extLst>
+              <a:ext uri="{FF2B5EF4-FFF2-40B4-BE49-F238E27FC236}">
+                <a16:creationId xmlns:a16="http://schemas.microsoft.com/office/drawing/2014/main" id="{C32AB9C3-E431-4C42-9750-4E77675B5796}"/>
+              </a:ext>
+            </a:extLst>
+          </p:cNvPr>
           <p:cNvSpPr>
             <a:spLocks noGrp="1"/>
           </p:cNvSpPr>
@@ -3194,8 +3624,8 @@
         </p:nvSpPr>
         <p:spPr>
           <a:xfrm>
-            <a:off x="1097280" y="286603"/>
-            <a:ext cx="10058400" cy="1450757"/>
+            <a:off x="1096963" y="287338"/>
+            <a:ext cx="10058400" cy="1449387"/>
           </a:xfrm>
           <a:prstGeom prst="rect">
             <a:avLst/>
@@ -3217,80 +3647,174 @@
       </p:sp>
       <p:sp>
         <p:nvSpPr>
-          <p:cNvPr id="3" name="Text Placeholder 2"/>
-          <p:cNvSpPr>
-            <a:spLocks noGrp="1"/>
+          <p:cNvPr id="1028" name="Text Placeholder 2">
+            <a:extLst>
+              <a:ext uri="{FF2B5EF4-FFF2-40B4-BE49-F238E27FC236}">
+                <a16:creationId xmlns:a16="http://schemas.microsoft.com/office/drawing/2014/main" id="{979969FA-70AF-4085-99B6-9118C0251843}"/>
+              </a:ext>
+            </a:extLst>
+          </p:cNvPr>
+          <p:cNvSpPr>
+            <a:spLocks noGrp="1" noChangeArrowheads="1"/>
           </p:cNvSpPr>
           <p:nvPr>
             <p:ph type="body" idx="1"/>
+          </p:nvPr>
+        </p:nvSpPr>
+        <p:spPr bwMode="auto">
+          <a:xfrm>
+            <a:off x="1096963" y="2108200"/>
+            <a:ext cx="10058400" cy="3760788"/>
+          </a:xfrm>
+          <a:prstGeom prst="rect">
+            <a:avLst/>
+          </a:prstGeom>
+          <a:noFill/>
+          <a:ln>
+            <a:noFill/>
+          </a:ln>
+          <a:extLst>
+            <a:ext uri="{909E8E84-426E-40DD-AFC4-6F175D3DCCD1}">
+              <a14:hiddenFill xmlns:a14="http://schemas.microsoft.com/office/drawing/2010/main">
+                <a:solidFill>
+                  <a:srgbClr val="FFFFFF"/>
+                </a:solidFill>
+              </a14:hiddenFill>
+            </a:ext>
+            <a:ext uri="{91240B29-F687-4F45-9708-019B960494DF}">
+              <a14:hiddenLine xmlns:a14="http://schemas.microsoft.com/office/drawing/2010/main" w="9525">
+                <a:solidFill>
+                  <a:srgbClr val="000000"/>
+                </a:solidFill>
+                <a:miter lim="800000"/>
+                <a:headEnd/>
+                <a:tailEnd/>
+              </a14:hiddenLine>
+            </a:ext>
+          </a:extLst>
+        </p:spPr>
+        <p:txBody>
+          <a:bodyPr vert="horz" wrap="square" lIns="0" tIns="45720" rIns="0" bIns="45720" numCol="1" anchor="t" anchorCtr="0" compatLnSpc="1">
+            <a:prstTxWarp prst="textNoShape">
+              <a:avLst/>
+            </a:prstTxWarp>
+          </a:bodyPr>
+          <a:lstStyle/>
+          <a:p>
+            <a:pPr lvl="0"/>
+            <a:r>
+              <a:rPr lang="en-US" altLang="en-US"/>
+              <a:t>Click to edit Master text styles</a:t>
+            </a:r>
+          </a:p>
+          <a:p>
+            <a:pPr lvl="1"/>
+            <a:r>
+              <a:rPr lang="en-US" altLang="en-US"/>
+              <a:t>Second level</a:t>
+            </a:r>
+          </a:p>
+          <a:p>
+            <a:pPr lvl="2"/>
+            <a:r>
+              <a:rPr lang="en-US" altLang="en-US"/>
+              <a:t>Third level</a:t>
+            </a:r>
+          </a:p>
+          <a:p>
+            <a:pPr lvl="3"/>
+            <a:r>
+              <a:rPr lang="en-US" altLang="en-US"/>
+              <a:t>Fourth level</a:t>
+            </a:r>
+          </a:p>
+          <a:p>
+            <a:pPr lvl="4"/>
+            <a:r>
+              <a:rPr lang="en-US" altLang="en-US"/>
+              <a:t>Fifth level</a:t>
+            </a:r>
+          </a:p>
+        </p:txBody>
+      </p:sp>
+      <p:sp>
+        <p:nvSpPr>
+          <p:cNvPr id="4" name="Date Placeholder 3">
+            <a:extLst>
+              <a:ext uri="{FF2B5EF4-FFF2-40B4-BE49-F238E27FC236}">
+                <a16:creationId xmlns:a16="http://schemas.microsoft.com/office/drawing/2014/main" id="{06F4B7B8-E1E8-4EEB-A9A4-4DCBBEA308F0}"/>
+              </a:ext>
+            </a:extLst>
+          </p:cNvPr>
+          <p:cNvSpPr>
+            <a:spLocks noGrp="1"/>
+          </p:cNvSpPr>
+          <p:nvPr>
+            <p:ph type="dt" sz="half" idx="2"/>
           </p:nvPr>
         </p:nvSpPr>
         <p:spPr>
           <a:xfrm>
-            <a:off x="1097280" y="2108201"/>
-            <a:ext cx="10058400" cy="3760891"/>
+            <a:off x="8218488" y="6446838"/>
+            <a:ext cx="2584450" cy="365125"/>
           </a:xfrm>
           <a:prstGeom prst="rect">
             <a:avLst/>
           </a:prstGeom>
         </p:spPr>
         <p:txBody>
-          <a:bodyPr vert="horz" lIns="0" tIns="45720" rIns="0" bIns="45720" rtlCol="0">
-            <a:normAutofit/>
-          </a:bodyPr>
-          <a:lstStyle/>
-          <a:p>
-            <a:pPr lvl="0"/>
-            <a:r>
-              <a:rPr lang="en-US"/>
-              <a:t>Click to edit Master text styles</a:t>
-            </a:r>
-          </a:p>
-          <a:p>
-            <a:pPr lvl="1"/>
-            <a:r>
-              <a:rPr lang="en-US"/>
-              <a:t>Second level</a:t>
-            </a:r>
-          </a:p>
-          <a:p>
-            <a:pPr lvl="2"/>
-            <a:r>
-              <a:rPr lang="en-US"/>
-              <a:t>Third level</a:t>
-            </a:r>
-          </a:p>
-          <a:p>
-            <a:pPr lvl="3"/>
-            <a:r>
-              <a:rPr lang="en-US"/>
-              <a:t>Fourth level</a:t>
-            </a:r>
-          </a:p>
-          <a:p>
-            <a:pPr lvl="4"/>
-            <a:r>
-              <a:rPr lang="en-US"/>
-              <a:t>Fifth level</a:t>
-            </a:r>
+          <a:bodyPr vert="horz" lIns="91440" tIns="45720" rIns="91440" bIns="45720" rtlCol="0" anchor="ctr"/>
+          <a:lstStyle>
+            <a:lvl1pPr algn="r" eaLnBrk="1" fontAlgn="auto" hangingPunct="1">
+              <a:spcBef>
+                <a:spcPts val="0"/>
+              </a:spcBef>
+              <a:spcAft>
+                <a:spcPts val="0"/>
+              </a:spcAft>
+              <a:defRPr sz="800" smtClean="0">
+                <a:solidFill>
+                  <a:srgbClr val="FFFFFF"/>
+                </a:solidFill>
+                <a:latin typeface="+mn-lt"/>
+              </a:defRPr>
+            </a:lvl1pPr>
+          </a:lstStyle>
+          <a:p>
+            <a:pPr>
+              <a:defRPr/>
+            </a:pPr>
+            <a:fld id="{6401A043-89F0-451B-AEBE-740BE0251BEC}" type="datetime1">
+              <a:rPr lang="en-US"/>
+              <a:pPr>
+                <a:defRPr/>
+              </a:pPr>
+              <a:t>1/24/2021</a:t>
+            </a:fld>
             <a:endParaRPr lang="en-US" dirty="0"/>
           </a:p>
         </p:txBody>
       </p:sp>
       <p:sp>
         <p:nvSpPr>
-          <p:cNvPr id="4" name="Date Placeholder 3"/>
-          <p:cNvSpPr>
-            <a:spLocks noGrp="1"/>
-          </p:cNvSpPr>
-          <p:nvPr>
-            <p:ph type="dt" sz="half" idx="2"/>
+          <p:cNvPr id="5" name="Footer Placeholder 4">
+            <a:extLst>
+              <a:ext uri="{FF2B5EF4-FFF2-40B4-BE49-F238E27FC236}">
+                <a16:creationId xmlns:a16="http://schemas.microsoft.com/office/drawing/2014/main" id="{A607BF78-D9CC-4D6F-8CC9-0B2130CA3FAF}"/>
+              </a:ext>
+            </a:extLst>
+          </p:cNvPr>
+          <p:cNvSpPr>
+            <a:spLocks noGrp="1"/>
+          </p:cNvSpPr>
+          <p:nvPr>
+            <p:ph type="ftr" sz="quarter" idx="3"/>
           </p:nvPr>
         </p:nvSpPr>
         <p:spPr>
           <a:xfrm>
-            <a:off x="8218426" y="6446838"/>
-            <a:ext cx="2584850" cy="365125"/>
+            <a:off x="1096963" y="6446838"/>
+            <a:ext cx="6818312" cy="365125"/>
           </a:xfrm>
           <a:prstGeom prst="rect">
             <a:avLst/>
@@ -3299,37 +3823,49 @@
         <p:txBody>
           <a:bodyPr vert="horz" lIns="91440" tIns="45720" rIns="91440" bIns="45720" rtlCol="0" anchor="ctr"/>
           <a:lstStyle>
-            <a:lvl1pPr algn="r">
-              <a:defRPr sz="800">
+            <a:lvl1pPr algn="l" eaLnBrk="1" fontAlgn="auto" hangingPunct="1">
+              <a:spcBef>
+                <a:spcPts val="0"/>
+              </a:spcBef>
+              <a:spcAft>
+                <a:spcPts val="0"/>
+              </a:spcAft>
+              <a:defRPr sz="800" cap="all" baseline="0" dirty="0">
                 <a:solidFill>
                   <a:srgbClr val="FFFFFF"/>
                 </a:solidFill>
+                <a:latin typeface="+mn-lt"/>
               </a:defRPr>
             </a:lvl1pPr>
           </a:lstStyle>
           <a:p>
-            <a:fld id="{62D6E202-B606-4609-B914-27C9371A1F6D}" type="datetime1">
-              <a:rPr lang="en-US" smtClean="0"/>
-              <a:t>1/19/2021</a:t>
-            </a:fld>
-            <a:endParaRPr lang="en-US" dirty="0"/>
-          </a:p>
-        </p:txBody>
-      </p:sp>
-      <p:sp>
-        <p:nvSpPr>
-          <p:cNvPr id="5" name="Footer Placeholder 4"/>
-          <p:cNvSpPr>
-            <a:spLocks noGrp="1"/>
-          </p:cNvSpPr>
-          <p:nvPr>
-            <p:ph type="ftr" sz="quarter" idx="3"/>
+            <a:pPr>
+              <a:defRPr/>
+            </a:pPr>
+            <a:endParaRPr lang="en-US"/>
+          </a:p>
+        </p:txBody>
+      </p:sp>
+      <p:sp>
+        <p:nvSpPr>
+          <p:cNvPr id="6" name="Slide Number Placeholder 5">
+            <a:extLst>
+              <a:ext uri="{FF2B5EF4-FFF2-40B4-BE49-F238E27FC236}">
+                <a16:creationId xmlns:a16="http://schemas.microsoft.com/office/drawing/2014/main" id="{45ADCE71-8DF1-455C-A9DB-567A49961972}"/>
+              </a:ext>
+            </a:extLst>
+          </p:cNvPr>
+          <p:cNvSpPr>
+            <a:spLocks noGrp="1"/>
+          </p:cNvSpPr>
+          <p:nvPr>
+            <p:ph type="sldNum" sz="quarter" idx="4"/>
           </p:nvPr>
         </p:nvSpPr>
         <p:spPr>
           <a:xfrm>
-            <a:off x="1097279" y="6446838"/>
-            <a:ext cx="6818262" cy="365125"/>
+            <a:off x="10993438" y="6446838"/>
+            <a:ext cx="779462" cy="365125"/>
           </a:xfrm>
           <a:prstGeom prst="rect">
             <a:avLst/>
@@ -3338,52 +3874,30 @@
         <p:txBody>
           <a:bodyPr vert="horz" lIns="91440" tIns="45720" rIns="91440" bIns="45720" rtlCol="0" anchor="ctr"/>
           <a:lstStyle>
-            <a:lvl1pPr algn="l">
-              <a:defRPr sz="800" cap="all" baseline="0">
+            <a:lvl1pPr algn="l" eaLnBrk="1" fontAlgn="auto" hangingPunct="1">
+              <a:spcBef>
+                <a:spcPts val="0"/>
+              </a:spcBef>
+              <a:spcAft>
+                <a:spcPts val="0"/>
+              </a:spcAft>
+              <a:defRPr sz="800" smtClean="0">
                 <a:solidFill>
                   <a:srgbClr val="FFFFFF"/>
                 </a:solidFill>
+                <a:latin typeface="+mn-lt"/>
               </a:defRPr>
             </a:lvl1pPr>
           </a:lstStyle>
           <a:p>
-            <a:endParaRPr lang="en-US" dirty="0"/>
-          </a:p>
-        </p:txBody>
-      </p:sp>
-      <p:sp>
-        <p:nvSpPr>
-          <p:cNvPr id="6" name="Slide Number Placeholder 5"/>
-          <p:cNvSpPr>
-            <a:spLocks noGrp="1"/>
-          </p:cNvSpPr>
-          <p:nvPr>
-            <p:ph type="sldNum" sz="quarter" idx="4"/>
-          </p:nvPr>
-        </p:nvSpPr>
-        <p:spPr>
-          <a:xfrm>
-            <a:off x="10993582" y="6446838"/>
-            <a:ext cx="780010" cy="365125"/>
-          </a:xfrm>
-          <a:prstGeom prst="rect">
-            <a:avLst/>
-          </a:prstGeom>
-        </p:spPr>
-        <p:txBody>
-          <a:bodyPr vert="horz" lIns="91440" tIns="45720" rIns="91440" bIns="45720" rtlCol="0" anchor="ctr"/>
-          <a:lstStyle>
-            <a:lvl1pPr algn="l">
-              <a:defRPr sz="800">
-                <a:solidFill>
-                  <a:srgbClr val="FFFFFF"/>
-                </a:solidFill>
-              </a:defRPr>
-            </a:lvl1pPr>
-          </a:lstStyle>
-          <a:p>
-            <a:fld id="{3A98EE3D-8CD1-4C3F-BD1C-C98C9596463C}" type="slidenum">
-              <a:rPr lang="en-US" smtClean="0"/>
+            <a:pPr>
+              <a:defRPr/>
+            </a:pPr>
+            <a:fld id="{058FB1B8-3C58-4B41-9793-7497BD59EEEF}" type="slidenum">
+              <a:rPr lang="en-US"/>
+              <a:pPr>
+                <a:defRPr/>
+              </a:pPr>
               <a:t>‹#›</a:t>
             </a:fld>
             <a:endParaRPr lang="en-US" dirty="0"/>
@@ -3395,7 +3909,7 @@
           <p:cNvPr id="10" name="Straight Connector 9">
             <a:extLst>
               <a:ext uri="{FF2B5EF4-FFF2-40B4-BE49-F238E27FC236}">
-                <a16:creationId xmlns:a16="http://schemas.microsoft.com/office/drawing/2014/main" id="{C5025DAC-8B93-4160-B017-3A274A5828C0}"/>
+                <a16:creationId xmlns:a16="http://schemas.microsoft.com/office/drawing/2014/main" id="{7DDB77F9-F3B8-4C8E-BDA8-DA518F0D3B95}"/>
               </a:ext>
             </a:extLst>
           </p:cNvPr>
@@ -3404,8 +3918,8 @@
         </p:nvCxnSpPr>
         <p:spPr>
           <a:xfrm>
-            <a:off x="1193532" y="1897380"/>
-            <a:ext cx="9966960" cy="0"/>
+            <a:off x="1193800" y="1897063"/>
+            <a:ext cx="9966325" cy="0"/>
           </a:xfrm>
           <a:prstGeom prst="line">
             <a:avLst/>
@@ -3435,52 +3949,183 @@
         </p:style>
       </p:cxnSp>
     </p:spTree>
-    <p:extLst>
-      <p:ext uri="{BB962C8B-B14F-4D97-AF65-F5344CB8AC3E}">
-        <p14:creationId xmlns:p14="http://schemas.microsoft.com/office/powerpoint/2010/main" val="3034982234"/>
-      </p:ext>
-    </p:extLst>
   </p:cSld>
   <p:clrMap bg1="lt1" tx1="dk1" bg2="lt2" tx2="dk2" accent1="accent1" accent2="accent2" accent3="accent3" accent4="accent4" accent5="accent5" accent6="accent6" hlink="hlink" folHlink="folHlink"/>
   <p:sldLayoutIdLst>
-    <p:sldLayoutId id="2147483748" r:id="rId1"/>
-    <p:sldLayoutId id="2147483749" r:id="rId2"/>
-    <p:sldLayoutId id="2147483747" r:id="rId3"/>
-    <p:sldLayoutId id="2147483743" r:id="rId4"/>
-    <p:sldLayoutId id="2147483738" r:id="rId5"/>
-    <p:sldLayoutId id="2147483732" r:id="rId6"/>
-    <p:sldLayoutId id="2147483733" r:id="rId7"/>
-    <p:sldLayoutId id="2147483734" r:id="rId8"/>
-    <p:sldLayoutId id="2147483735" r:id="rId9"/>
-    <p:sldLayoutId id="2147483736" r:id="rId10"/>
-    <p:sldLayoutId id="2147483737" r:id="rId11"/>
+    <p:sldLayoutId id="2147483762" r:id="rId1"/>
+    <p:sldLayoutId id="2147483756" r:id="rId2"/>
+    <p:sldLayoutId id="2147483763" r:id="rId3"/>
+    <p:sldLayoutId id="2147483757" r:id="rId4"/>
+    <p:sldLayoutId id="2147483758" r:id="rId5"/>
+    <p:sldLayoutId id="2147483759" r:id="rId6"/>
+    <p:sldLayoutId id="2147483764" r:id="rId7"/>
+    <p:sldLayoutId id="2147483765" r:id="rId8"/>
+    <p:sldLayoutId id="2147483766" r:id="rId9"/>
+    <p:sldLayoutId id="2147483760" r:id="rId10"/>
+    <p:sldLayoutId id="2147483767" r:id="rId11"/>
+    <p:sldLayoutId id="2147483761" r:id="rId12"/>
   </p:sldLayoutIdLst>
   <p:hf sldNum="0" hdr="0" ftr="0" dt="0"/>
   <p:txStyles>
     <p:titleStyle>
-      <a:lvl1pPr algn="l" defTabSz="914400" rtl="0" eaLnBrk="1" latinLnBrk="0" hangingPunct="1">
+      <a:lvl1pPr algn="l" rtl="0" fontAlgn="base">
         <a:lnSpc>
           <a:spcPct val="90000"/>
         </a:lnSpc>
         <a:spcBef>
           <a:spcPct val="0"/>
         </a:spcBef>
-        <a:buNone/>
-        <a:defRPr sz="4700" i="0" kern="1200" spc="-50" baseline="0">
+        <a:spcAft>
+          <a:spcPct val="0"/>
+        </a:spcAft>
+        <a:defRPr sz="4700" kern="1200" spc="-50">
           <a:solidFill>
-            <a:schemeClr val="tx1">
-              <a:lumMod val="75000"/>
-              <a:lumOff val="25000"/>
-            </a:schemeClr>
+            <a:srgbClr val="404040"/>
           </a:solidFill>
           <a:latin typeface="+mj-lt"/>
           <a:ea typeface="+mj-ea"/>
           <a:cs typeface="+mj-cs"/>
         </a:defRPr>
       </a:lvl1pPr>
+      <a:lvl2pPr algn="l" rtl="0" fontAlgn="base">
+        <a:lnSpc>
+          <a:spcPct val="90000"/>
+        </a:lnSpc>
+        <a:spcBef>
+          <a:spcPct val="0"/>
+        </a:spcBef>
+        <a:spcAft>
+          <a:spcPct val="0"/>
+        </a:spcAft>
+        <a:defRPr sz="4700">
+          <a:solidFill>
+            <a:srgbClr val="404040"/>
+          </a:solidFill>
+          <a:latin typeface="Bookman Old Style" panose="02050604050505020204" pitchFamily="18" charset="0"/>
+        </a:defRPr>
+      </a:lvl2pPr>
+      <a:lvl3pPr algn="l" rtl="0" fontAlgn="base">
+        <a:lnSpc>
+          <a:spcPct val="90000"/>
+        </a:lnSpc>
+        <a:spcBef>
+          <a:spcPct val="0"/>
+        </a:spcBef>
+        <a:spcAft>
+          <a:spcPct val="0"/>
+        </a:spcAft>
+        <a:defRPr sz="4700">
+          <a:solidFill>
+            <a:srgbClr val="404040"/>
+          </a:solidFill>
+          <a:latin typeface="Bookman Old Style" panose="02050604050505020204" pitchFamily="18" charset="0"/>
+        </a:defRPr>
+      </a:lvl3pPr>
+      <a:lvl4pPr algn="l" rtl="0" fontAlgn="base">
+        <a:lnSpc>
+          <a:spcPct val="90000"/>
+        </a:lnSpc>
+        <a:spcBef>
+          <a:spcPct val="0"/>
+        </a:spcBef>
+        <a:spcAft>
+          <a:spcPct val="0"/>
+        </a:spcAft>
+        <a:defRPr sz="4700">
+          <a:solidFill>
+            <a:srgbClr val="404040"/>
+          </a:solidFill>
+          <a:latin typeface="Bookman Old Style" panose="02050604050505020204" pitchFamily="18" charset="0"/>
+        </a:defRPr>
+      </a:lvl4pPr>
+      <a:lvl5pPr algn="l" rtl="0" fontAlgn="base">
+        <a:lnSpc>
+          <a:spcPct val="90000"/>
+        </a:lnSpc>
+        <a:spcBef>
+          <a:spcPct val="0"/>
+        </a:spcBef>
+        <a:spcAft>
+          <a:spcPct val="0"/>
+        </a:spcAft>
+        <a:defRPr sz="4700">
+          <a:solidFill>
+            <a:srgbClr val="404040"/>
+          </a:solidFill>
+          <a:latin typeface="Bookman Old Style" panose="02050604050505020204" pitchFamily="18" charset="0"/>
+        </a:defRPr>
+      </a:lvl5pPr>
+      <a:lvl6pPr marL="457200" algn="l" rtl="0" fontAlgn="base">
+        <a:lnSpc>
+          <a:spcPct val="90000"/>
+        </a:lnSpc>
+        <a:spcBef>
+          <a:spcPct val="0"/>
+        </a:spcBef>
+        <a:spcAft>
+          <a:spcPct val="0"/>
+        </a:spcAft>
+        <a:defRPr sz="4700">
+          <a:solidFill>
+            <a:srgbClr val="404040"/>
+          </a:solidFill>
+          <a:latin typeface="Bookman Old Style" panose="02050604050505020204" pitchFamily="18" charset="0"/>
+        </a:defRPr>
+      </a:lvl6pPr>
+      <a:lvl7pPr marL="914400" algn="l" rtl="0" fontAlgn="base">
+        <a:lnSpc>
+          <a:spcPct val="90000"/>
+        </a:lnSpc>
+        <a:spcBef>
+          <a:spcPct val="0"/>
+        </a:spcBef>
+        <a:spcAft>
+          <a:spcPct val="0"/>
+        </a:spcAft>
+        <a:defRPr sz="4700">
+          <a:solidFill>
+            <a:srgbClr val="404040"/>
+          </a:solidFill>
+          <a:latin typeface="Bookman Old Style" panose="02050604050505020204" pitchFamily="18" charset="0"/>
+        </a:defRPr>
+      </a:lvl7pPr>
+      <a:lvl8pPr marL="1371600" algn="l" rtl="0" fontAlgn="base">
+        <a:lnSpc>
+          <a:spcPct val="90000"/>
+        </a:lnSpc>
+        <a:spcBef>
+          <a:spcPct val="0"/>
+        </a:spcBef>
+        <a:spcAft>
+          <a:spcPct val="0"/>
+        </a:spcAft>
+        <a:defRPr sz="4700">
+          <a:solidFill>
+            <a:srgbClr val="404040"/>
+          </a:solidFill>
+          <a:latin typeface="Bookman Old Style" panose="02050604050505020204" pitchFamily="18" charset="0"/>
+        </a:defRPr>
+      </a:lvl8pPr>
+      <a:lvl9pPr marL="1828800" algn="l" rtl="0" fontAlgn="base">
+        <a:lnSpc>
+          <a:spcPct val="90000"/>
+        </a:lnSpc>
+        <a:spcBef>
+          <a:spcPct val="0"/>
+        </a:spcBef>
+        <a:spcAft>
+          <a:spcPct val="0"/>
+        </a:spcAft>
+        <a:defRPr sz="4700">
+          <a:solidFill>
+            <a:srgbClr val="404040"/>
+          </a:solidFill>
+          <a:latin typeface="Bookman Old Style" panose="02050604050505020204" pitchFamily="18" charset="0"/>
+        </a:defRPr>
+      </a:lvl9pPr>
     </p:titleStyle>
     <p:bodyStyle>
-      <a:lvl1pPr marL="91440" indent="-91440" algn="l" defTabSz="914400" rtl="0" eaLnBrk="1" latinLnBrk="0" hangingPunct="1">
+      <a:lvl1pPr marL="90488" indent="-90488" algn="l" rtl="0" fontAlgn="base">
         <a:lnSpc>
           <a:spcPct val="110000"/>
         </a:lnSpc>
@@ -3498,110 +4143,79 @@
         <a:buChar char=" "/>
         <a:defRPr sz="1900" kern="1200">
           <a:solidFill>
-            <a:schemeClr val="tx1">
-              <a:lumMod val="75000"/>
-              <a:lumOff val="25000"/>
-            </a:schemeClr>
+            <a:srgbClr val="404040"/>
           </a:solidFill>
           <a:latin typeface="+mn-lt"/>
           <a:ea typeface="+mn-ea"/>
           <a:cs typeface="+mn-cs"/>
         </a:defRPr>
       </a:lvl1pPr>
-      <a:lvl2pPr marL="384048" indent="-182880" algn="l" defTabSz="914400" rtl="0" eaLnBrk="1" latinLnBrk="0" hangingPunct="1">
-        <a:lnSpc>
-          <a:spcPct val="100000"/>
-        </a:lnSpc>
+      <a:lvl2pPr marL="382588" indent="-182563" algn="l" rtl="0" fontAlgn="base">
         <a:spcBef>
           <a:spcPts val="200"/>
         </a:spcBef>
         <a:spcAft>
           <a:spcPts val="400"/>
         </a:spcAft>
-        <a:buClrTx/>
-        <a:buFont typeface="Calibri" pitchFamily="34" charset="0"/>
+        <a:buFont typeface="Calibri" panose="020F0502020204030204" pitchFamily="34" charset="0"/>
         <a:buChar char="◦"/>
         <a:defRPr sz="1700" kern="1200">
           <a:solidFill>
-            <a:schemeClr val="tx1">
-              <a:lumMod val="75000"/>
-              <a:lumOff val="25000"/>
-            </a:schemeClr>
+            <a:srgbClr val="404040"/>
           </a:solidFill>
           <a:latin typeface="+mn-lt"/>
           <a:ea typeface="+mn-ea"/>
           <a:cs typeface="+mn-cs"/>
         </a:defRPr>
       </a:lvl2pPr>
-      <a:lvl3pPr marL="566928" indent="-182880" algn="l" defTabSz="914400" rtl="0" eaLnBrk="1" latinLnBrk="0" hangingPunct="1">
-        <a:lnSpc>
-          <a:spcPct val="100000"/>
-        </a:lnSpc>
+      <a:lvl3pPr marL="566738" indent="-182563" algn="l" rtl="0" fontAlgn="base">
         <a:spcBef>
           <a:spcPts val="200"/>
         </a:spcBef>
         <a:spcAft>
           <a:spcPts val="400"/>
         </a:spcAft>
-        <a:buClrTx/>
-        <a:buFont typeface="Calibri" pitchFamily="34" charset="0"/>
+        <a:buFont typeface="Calibri" panose="020F0502020204030204" pitchFamily="34" charset="0"/>
         <a:buChar char="◦"/>
         <a:defRPr sz="1300" kern="1200">
           <a:solidFill>
-            <a:schemeClr val="tx1">
-              <a:lumMod val="75000"/>
-              <a:lumOff val="25000"/>
-            </a:schemeClr>
+            <a:srgbClr val="404040"/>
           </a:solidFill>
           <a:latin typeface="+mn-lt"/>
           <a:ea typeface="+mn-ea"/>
           <a:cs typeface="+mn-cs"/>
         </a:defRPr>
       </a:lvl3pPr>
-      <a:lvl4pPr marL="749808" indent="-182880" algn="l" defTabSz="914400" rtl="0" eaLnBrk="1" latinLnBrk="0" hangingPunct="1">
-        <a:lnSpc>
-          <a:spcPct val="100000"/>
-        </a:lnSpc>
+      <a:lvl4pPr marL="749300" indent="-182563" algn="l" rtl="0" fontAlgn="base">
         <a:spcBef>
           <a:spcPts val="200"/>
         </a:spcBef>
         <a:spcAft>
           <a:spcPts val="400"/>
         </a:spcAft>
-        <a:buClrTx/>
-        <a:buFont typeface="Calibri" pitchFamily="34" charset="0"/>
+        <a:buFont typeface="Calibri" panose="020F0502020204030204" pitchFamily="34" charset="0"/>
         <a:buChar char="◦"/>
         <a:defRPr sz="1300" kern="1200">
           <a:solidFill>
-            <a:schemeClr val="tx1">
-              <a:lumMod val="75000"/>
-              <a:lumOff val="25000"/>
-            </a:schemeClr>
+            <a:srgbClr val="404040"/>
           </a:solidFill>
           <a:latin typeface="+mn-lt"/>
           <a:ea typeface="+mn-ea"/>
           <a:cs typeface="+mn-cs"/>
         </a:defRPr>
       </a:lvl4pPr>
-      <a:lvl5pPr marL="932688" indent="-182880" algn="l" defTabSz="914400" rtl="0" eaLnBrk="1" latinLnBrk="0" hangingPunct="1">
-        <a:lnSpc>
-          <a:spcPct val="100000"/>
-        </a:lnSpc>
+      <a:lvl5pPr marL="931863" indent="-182563" algn="l" rtl="0" fontAlgn="base">
         <a:spcBef>
           <a:spcPts val="200"/>
         </a:spcBef>
         <a:spcAft>
           <a:spcPts val="400"/>
         </a:spcAft>
-        <a:buClrTx/>
-        <a:buFont typeface="Calibri" pitchFamily="34" charset="0"/>
+        <a:buFont typeface="Calibri" panose="020F0502020204030204" pitchFamily="34" charset="0"/>
         <a:buChar char="◦"/>
         <a:defRPr sz="1300" kern="1200">
           <a:solidFill>
-            <a:schemeClr val="tx1">
-              <a:lumMod val="75000"/>
-              <a:lumOff val="25000"/>
-            </a:schemeClr>
+            <a:srgbClr val="404040"/>
           </a:solidFill>
           <a:latin typeface="+mn-lt"/>
           <a:ea typeface="+mn-ea"/>
@@ -3843,31 +4457,22 @@
       </p:grpSpPr>
       <p:sp useBgFill="1">
         <p:nvSpPr>
-          <p:cNvPr id="22" name="Rectangle 21">
-            <a:extLst>
-              <a:ext uri="{FF2B5EF4-FFF2-40B4-BE49-F238E27FC236}">
-                <a16:creationId xmlns:a16="http://schemas.microsoft.com/office/drawing/2014/main" id="{A9286AD2-18A9-4868-A4E3-7A2097A20810}"/>
-              </a:ext>
-              <a:ext uri="{C183D7F6-B498-43B3-948B-1728B52AA6E4}">
-                <adec:decorative xmlns:adec="http://schemas.microsoft.com/office/drawing/2017/decorative" val="1"/>
+          <p:cNvPr id="22" name="Rectangle 21" descr="&quot;&quot;">
+            <a:extLst>
+              <a:ext uri="{FF2B5EF4-FFF2-40B4-BE49-F238E27FC236}">
+                <a16:creationId xmlns:a16="http://schemas.microsoft.com/office/drawing/2014/main" id="{E719D472-C623-4CC3-89F9-55D620FF2158}"/>
               </a:ext>
             </a:extLst>
           </p:cNvPr>
           <p:cNvSpPr>
             <a:spLocks noGrp="1" noRot="1" noChangeAspect="1" noMove="1" noResize="1" noEditPoints="1" noAdjustHandles="1" noChangeArrowheads="1" noChangeShapeType="1" noTextEdit="1"/>
           </p:cNvSpPr>
-          <p:nvPr>
-            <p:extLst>
-              <p:ext uri="{386F3935-93C4-4BCD-93E2-E3B085C9AB24}">
-                <p16:designElem xmlns:p16="http://schemas.microsoft.com/office/powerpoint/2015/main" val="1"/>
-              </p:ext>
-            </p:extLst>
-          </p:nvPr>
+          <p:nvPr/>
         </p:nvSpPr>
         <p:spPr>
           <a:xfrm>
-            <a:off x="0" y="1"/>
-            <a:ext cx="12192001" cy="6857999"/>
+            <a:off x="0" y="0"/>
+            <a:ext cx="12192000" cy="6858000"/>
           </a:xfrm>
           <a:prstGeom prst="rect">
             <a:avLst/>
@@ -3893,10 +4498,18 @@
           </a:fontRef>
         </p:style>
         <p:txBody>
-          <a:bodyPr rtlCol="0" anchor="ctr"/>
+          <a:bodyPr anchor="ctr"/>
           <a:lstStyle/>
           <a:p>
-            <a:pPr algn="ctr"/>
+            <a:pPr algn="ctr" eaLnBrk="1" fontAlgn="auto" hangingPunct="1">
+              <a:spcBef>
+                <a:spcPts val="0"/>
+              </a:spcBef>
+              <a:spcAft>
+                <a:spcPts val="0"/>
+              </a:spcAft>
+              <a:defRPr/>
+            </a:pPr>
             <a:endParaRPr lang="en-US"/>
           </a:p>
         </p:txBody>
@@ -3906,7 +4519,7 @@
           <p:cNvPr id="2" name="Title 1">
             <a:extLst>
               <a:ext uri="{FF2B5EF4-FFF2-40B4-BE49-F238E27FC236}">
-                <a16:creationId xmlns:a16="http://schemas.microsoft.com/office/drawing/2014/main" id="{78FD68DA-43BA-4508-8DE2-BA9BB7B2FA5B}"/>
+                <a16:creationId xmlns:a16="http://schemas.microsoft.com/office/drawing/2014/main" id="{ADD63125-D266-47F6-A58A-4A8A29DA911E}"/>
               </a:ext>
             </a:extLst>
           </p:cNvPr>
@@ -3919,16 +4532,20 @@
         </p:nvSpPr>
         <p:spPr>
           <a:xfrm>
-            <a:off x="5289754" y="639097"/>
-            <a:ext cx="6253317" cy="3686015"/>
+            <a:off x="5289550" y="639763"/>
+            <a:ext cx="6253163" cy="3684587"/>
           </a:xfrm>
         </p:spPr>
         <p:txBody>
-          <a:bodyPr>
-            <a:normAutofit/>
-          </a:bodyPr>
+          <a:bodyPr/>
           <a:lstStyle/>
           <a:p>
+            <a:pPr fontAlgn="auto">
+              <a:spcAft>
+                <a:spcPts val="0"/>
+              </a:spcAft>
+              <a:defRPr/>
+            </a:pPr>
             <a:r>
               <a:rPr lang="en-US" sz="3200" dirty="0"/>
               <a:t>Ground truth finding on Song Recommendation system</a:t>
@@ -3941,7 +4558,7 @@
           <p:cNvPr id="3" name="Subtitle 2">
             <a:extLst>
               <a:ext uri="{FF2B5EF4-FFF2-40B4-BE49-F238E27FC236}">
-                <a16:creationId xmlns:a16="http://schemas.microsoft.com/office/drawing/2014/main" id="{A8E9CFF2-3777-4FF4-A759-8491175B0B7C}"/>
+                <a16:creationId xmlns:a16="http://schemas.microsoft.com/office/drawing/2014/main" id="{14E75B1D-696A-411A-B79E-7DD801DF2109}"/>
               </a:ext>
             </a:extLst>
           </p:cNvPr>
@@ -3954,16 +4571,17 @@
         </p:nvSpPr>
         <p:spPr>
           <a:xfrm>
-            <a:off x="5289753" y="4672739"/>
-            <a:ext cx="6269347" cy="1021498"/>
+            <a:off x="5289550" y="4672013"/>
+            <a:ext cx="6269038" cy="1022350"/>
           </a:xfrm>
         </p:spPr>
         <p:txBody>
-          <a:bodyPr>
-            <a:normAutofit/>
-          </a:bodyPr>
+          <a:bodyPr rtlCol="0"/>
           <a:lstStyle/>
           <a:p>
+            <a:pPr fontAlgn="auto">
+              <a:defRPr/>
+            </a:pPr>
             <a:r>
               <a:rPr lang="en-US" sz="2200" dirty="0">
                 <a:solidFill>
@@ -3980,19 +4598,19 @@
       </p:sp>
       <p:pic>
         <p:nvPicPr>
-          <p:cNvPr id="5" name="Picture 4" descr="A picture containing building, sitting, bench, side&#10;&#10;Description automatically generated">
-            <a:extLst>
-              <a:ext uri="{FF2B5EF4-FFF2-40B4-BE49-F238E27FC236}">
-                <a16:creationId xmlns:a16="http://schemas.microsoft.com/office/drawing/2014/main" id="{282CF6DD-7FE8-4063-9551-1B7BBCE92ABE}"/>
+          <p:cNvPr id="8197" name="Picture 4" descr="A picture containing building, sitting, bench, side&#10;&#10;Description automatically generated">
+            <a:extLst>
+              <a:ext uri="{FF2B5EF4-FFF2-40B4-BE49-F238E27FC236}">
+                <a16:creationId xmlns:a16="http://schemas.microsoft.com/office/drawing/2014/main" id="{912622D6-C67C-4132-81EB-3AC6762BCF81}"/>
               </a:ext>
             </a:extLst>
           </p:cNvPr>
           <p:cNvPicPr>
-            <a:picLocks noChangeAspect="1"/>
+            <a:picLocks noChangeAspect="1" noChangeArrowheads="1"/>
           </p:cNvPicPr>
           <p:nvPr/>
         </p:nvPicPr>
-        <p:blipFill rotWithShape="1">
+        <p:blipFill>
           <a:blip r:embed="rId2">
             <a:extLst>
               <a:ext uri="{28A0092B-C50C-407E-A947-70E740481C1C}">
@@ -4001,45 +4619,61 @@
             </a:extLst>
           </a:blip>
           <a:srcRect/>
-          <a:stretch/>
+          <a:stretch>
+            <a:fillRect/>
+          </a:stretch>
         </p:blipFill>
-        <p:spPr>
+        <p:spPr bwMode="auto">
           <a:xfrm>
-            <a:off x="-1" y="1"/>
-            <a:ext cx="4635315" cy="6857999"/>
+            <a:off x="0" y="0"/>
+            <a:ext cx="4635500" cy="6858000"/>
           </a:xfrm>
           <a:prstGeom prst="rect">
             <a:avLst/>
           </a:prstGeom>
+          <a:noFill/>
+          <a:ln>
+            <a:noFill/>
+          </a:ln>
+          <a:extLst>
+            <a:ext uri="{909E8E84-426E-40DD-AFC4-6F175D3DCCD1}">
+              <a14:hiddenFill xmlns:a14="http://schemas.microsoft.com/office/drawing/2010/main">
+                <a:solidFill>
+                  <a:srgbClr val="FFFFFF"/>
+                </a:solidFill>
+              </a14:hiddenFill>
+            </a:ext>
+            <a:ext uri="{91240B29-F687-4F45-9708-019B960494DF}">
+              <a14:hiddenLine xmlns:a14="http://schemas.microsoft.com/office/drawing/2010/main" w="9525">
+                <a:solidFill>
+                  <a:srgbClr val="000000"/>
+                </a:solidFill>
+                <a:miter lim="800000"/>
+                <a:headEnd/>
+                <a:tailEnd/>
+              </a14:hiddenLine>
+            </a:ext>
+          </a:extLst>
         </p:spPr>
       </p:pic>
       <p:cxnSp>
         <p:nvCxnSpPr>
-          <p:cNvPr id="24" name="Straight Connector 23">
-            <a:extLst>
-              <a:ext uri="{FF2B5EF4-FFF2-40B4-BE49-F238E27FC236}">
-                <a16:creationId xmlns:a16="http://schemas.microsoft.com/office/drawing/2014/main" id="{E7A7CD63-7EC3-44F3-95D0-595C4019FF24}"/>
-              </a:ext>
-              <a:ext uri="{C183D7F6-B498-43B3-948B-1728B52AA6E4}">
-                <adec:decorative xmlns:adec="http://schemas.microsoft.com/office/drawing/2017/decorative" val="1"/>
+          <p:cNvPr id="24" name="Straight Connector 23" descr="&quot;&quot;">
+            <a:extLst>
+              <a:ext uri="{FF2B5EF4-FFF2-40B4-BE49-F238E27FC236}">
+                <a16:creationId xmlns:a16="http://schemas.microsoft.com/office/drawing/2014/main" id="{C02985CE-4A72-475A-B15D-A4F70D732CBA}"/>
               </a:ext>
             </a:extLst>
           </p:cNvPr>
           <p:cNvCxnSpPr>
             <a:cxnSpLocks noGrp="1" noRot="1" noChangeAspect="1" noMove="1" noResize="1" noEditPoints="1" noAdjustHandles="1" noChangeArrowheads="1" noChangeShapeType="1"/>
           </p:cNvCxnSpPr>
-          <p:nvPr>
-            <p:extLst>
-              <p:ext uri="{386F3935-93C4-4BCD-93E2-E3B085C9AB24}">
-                <p16:designElem xmlns:p16="http://schemas.microsoft.com/office/powerpoint/2015/main" val="1"/>
-              </p:ext>
-            </p:extLst>
-          </p:nvPr>
+          <p:nvPr/>
         </p:nvCxnSpPr>
         <p:spPr>
           <a:xfrm>
-            <a:off x="5427754" y="4498925"/>
-            <a:ext cx="5636107" cy="0"/>
+            <a:off x="5427663" y="4498975"/>
+            <a:ext cx="5635625" cy="0"/>
           </a:xfrm>
           <a:prstGeom prst="line">
             <a:avLst/>
@@ -4069,11 +4703,6 @@
         </p:style>
       </p:cxnSp>
     </p:spTree>
-    <p:extLst>
-      <p:ext uri="{BB962C8B-B14F-4D97-AF65-F5344CB8AC3E}">
-        <p14:creationId xmlns:p14="http://schemas.microsoft.com/office/powerpoint/2010/main" val="4043737824"/>
-      </p:ext>
-    </p:extLst>
   </p:cSld>
   <p:clrMapOvr>
     <a:masterClrMapping/>
@@ -4103,7 +4732,7 @@
           <p:cNvPr id="2" name="Title 1">
             <a:extLst>
               <a:ext uri="{FF2B5EF4-FFF2-40B4-BE49-F238E27FC236}">
-                <a16:creationId xmlns:a16="http://schemas.microsoft.com/office/drawing/2014/main" id="{39E75A5B-5124-4768-8348-F8FD42098ECD}"/>
+                <a16:creationId xmlns:a16="http://schemas.microsoft.com/office/drawing/2014/main" id="{E344767E-4A2A-4B90-9200-F7E5DB03165F}"/>
               </a:ext>
             </a:extLst>
           </p:cNvPr>
@@ -4116,34 +4745,59 @@
         </p:nvSpPr>
         <p:spPr>
           <a:xfrm>
-            <a:off x="794307" y="226493"/>
-            <a:ext cx="10058400" cy="1450757"/>
+            <a:off x="793750" y="227013"/>
+            <a:ext cx="10058400" cy="1450975"/>
           </a:xfrm>
         </p:spPr>
         <p:txBody>
-          <a:bodyPr>
-            <a:normAutofit/>
-          </a:bodyPr>
+          <a:bodyPr/>
           <a:lstStyle/>
           <a:p>
-            <a:r>
-              <a:rPr lang="en-US" sz="4000" dirty="0"/>
+            <a:pPr fontAlgn="auto">
+              <a:spcAft>
+                <a:spcPts val="0"/>
+              </a:spcAft>
+              <a:defRPr/>
+            </a:pPr>
+            <a:r>
+              <a:rPr lang="en-US" sz="4000" dirty="0">
+                <a:solidFill>
+                  <a:schemeClr val="tx1">
+                    <a:lumMod val="75000"/>
+                    <a:lumOff val="25000"/>
+                  </a:schemeClr>
+                </a:solidFill>
+              </a:rPr>
               <a:t>Case 1 – Searching from words in Title</a:t>
             </a:r>
             <a:r>
-              <a:rPr lang="en-US" dirty="0"/>
+              <a:rPr lang="en-US" dirty="0">
+                <a:solidFill>
+                  <a:schemeClr val="tx1">
+                    <a:lumMod val="75000"/>
+                    <a:lumOff val="25000"/>
+                  </a:schemeClr>
+                </a:solidFill>
+              </a:rPr>
               <a:t>. </a:t>
             </a:r>
-            <a:endParaRPr lang="en-IN" dirty="0"/>
-          </a:p>
-        </p:txBody>
-      </p:sp>
-      <p:sp>
-        <p:nvSpPr>
-          <p:cNvPr id="8" name="AutoShape 8">
-            <a:extLst>
-              <a:ext uri="{FF2B5EF4-FFF2-40B4-BE49-F238E27FC236}">
-                <a16:creationId xmlns:a16="http://schemas.microsoft.com/office/drawing/2014/main" id="{21ABCC79-7B11-4168-9532-80EC9F9F8169}"/>
+            <a:endParaRPr lang="en-IN" dirty="0">
+              <a:solidFill>
+                <a:schemeClr val="tx1">
+                  <a:lumMod val="75000"/>
+                  <a:lumOff val="25000"/>
+                </a:schemeClr>
+              </a:solidFill>
+            </a:endParaRPr>
+          </a:p>
+        </p:txBody>
+      </p:sp>
+      <p:sp>
+        <p:nvSpPr>
+          <p:cNvPr id="9219" name="AutoShape 8">
+            <a:extLst>
+              <a:ext uri="{FF2B5EF4-FFF2-40B4-BE49-F238E27FC236}">
+                <a16:creationId xmlns:a16="http://schemas.microsoft.com/office/drawing/2014/main" id="{33C1789A-9EA6-41C4-8FA2-E802DCB9290F}"/>
               </a:ext>
             </a:extLst>
           </p:cNvPr>
@@ -4161,6 +4815,9 @@
             <a:avLst/>
           </a:prstGeom>
           <a:noFill/>
+          <a:ln>
+            <a:noFill/>
+          </a:ln>
           <a:extLst>
             <a:ext uri="{909E8E84-426E-40DD-AFC4-6F175D3DCCD1}">
               <a14:hiddenFill xmlns:a14="http://schemas.microsoft.com/office/drawing/2010/main">
@@ -4169,26 +4826,130 @@
                 </a:solidFill>
               </a14:hiddenFill>
             </a:ext>
+            <a:ext uri="{91240B29-F687-4F45-9708-019B960494DF}">
+              <a14:hiddenLine xmlns:a14="http://schemas.microsoft.com/office/drawing/2010/main" w="9525">
+                <a:solidFill>
+                  <a:srgbClr val="000000"/>
+                </a:solidFill>
+                <a:miter lim="800000"/>
+                <a:headEnd/>
+                <a:tailEnd/>
+              </a14:hiddenLine>
+            </a:ext>
           </a:extLst>
         </p:spPr>
         <p:txBody>
-          <a:bodyPr vert="horz" wrap="square" lIns="91440" tIns="45720" rIns="91440" bIns="45720" numCol="1" anchor="t" anchorCtr="0" compatLnSpc="1">
-            <a:prstTxWarp prst="textNoShape">
-              <a:avLst/>
-            </a:prstTxWarp>
-          </a:bodyPr>
-          <a:lstStyle/>
-          <a:p>
-            <a:endParaRPr lang="en-IN"/>
-          </a:p>
-        </p:txBody>
-      </p:sp>
-      <p:sp>
-        <p:nvSpPr>
-          <p:cNvPr id="9" name="AutoShape 10">
-            <a:extLst>
-              <a:ext uri="{FF2B5EF4-FFF2-40B4-BE49-F238E27FC236}">
-                <a16:creationId xmlns:a16="http://schemas.microsoft.com/office/drawing/2014/main" id="{D1C90E33-74DA-42CE-8918-6299A8D0233A}"/>
+          <a:bodyPr/>
+          <a:lstStyle>
+            <a:lvl1pPr>
+              <a:defRPr>
+                <a:solidFill>
+                  <a:schemeClr val="tx1"/>
+                </a:solidFill>
+                <a:latin typeface="Franklin Gothic Book" pitchFamily="34" charset="0"/>
+              </a:defRPr>
+            </a:lvl1pPr>
+            <a:lvl2pPr marL="742950" indent="-285750">
+              <a:defRPr>
+                <a:solidFill>
+                  <a:schemeClr val="tx1"/>
+                </a:solidFill>
+                <a:latin typeface="Franklin Gothic Book" pitchFamily="34" charset="0"/>
+              </a:defRPr>
+            </a:lvl2pPr>
+            <a:lvl3pPr marL="1143000" indent="-228600">
+              <a:defRPr>
+                <a:solidFill>
+                  <a:schemeClr val="tx1"/>
+                </a:solidFill>
+                <a:latin typeface="Franklin Gothic Book" pitchFamily="34" charset="0"/>
+              </a:defRPr>
+            </a:lvl3pPr>
+            <a:lvl4pPr marL="1600200" indent="-228600">
+              <a:defRPr>
+                <a:solidFill>
+                  <a:schemeClr val="tx1"/>
+                </a:solidFill>
+                <a:latin typeface="Franklin Gothic Book" pitchFamily="34" charset="0"/>
+              </a:defRPr>
+            </a:lvl4pPr>
+            <a:lvl5pPr marL="2057400" indent="-228600">
+              <a:defRPr>
+                <a:solidFill>
+                  <a:schemeClr val="tx1"/>
+                </a:solidFill>
+                <a:latin typeface="Franklin Gothic Book" pitchFamily="34" charset="0"/>
+              </a:defRPr>
+            </a:lvl5pPr>
+            <a:lvl6pPr marL="2514600" indent="-228600" fontAlgn="base">
+              <a:spcBef>
+                <a:spcPct val="0"/>
+              </a:spcBef>
+              <a:spcAft>
+                <a:spcPct val="0"/>
+              </a:spcAft>
+              <a:defRPr>
+                <a:solidFill>
+                  <a:schemeClr val="tx1"/>
+                </a:solidFill>
+                <a:latin typeface="Franklin Gothic Book" pitchFamily="34" charset="0"/>
+              </a:defRPr>
+            </a:lvl6pPr>
+            <a:lvl7pPr marL="2971800" indent="-228600" fontAlgn="base">
+              <a:spcBef>
+                <a:spcPct val="0"/>
+              </a:spcBef>
+              <a:spcAft>
+                <a:spcPct val="0"/>
+              </a:spcAft>
+              <a:defRPr>
+                <a:solidFill>
+                  <a:schemeClr val="tx1"/>
+                </a:solidFill>
+                <a:latin typeface="Franklin Gothic Book" pitchFamily="34" charset="0"/>
+              </a:defRPr>
+            </a:lvl7pPr>
+            <a:lvl8pPr marL="3429000" indent="-228600" fontAlgn="base">
+              <a:spcBef>
+                <a:spcPct val="0"/>
+              </a:spcBef>
+              <a:spcAft>
+                <a:spcPct val="0"/>
+              </a:spcAft>
+              <a:defRPr>
+                <a:solidFill>
+                  <a:schemeClr val="tx1"/>
+                </a:solidFill>
+                <a:latin typeface="Franklin Gothic Book" pitchFamily="34" charset="0"/>
+              </a:defRPr>
+            </a:lvl8pPr>
+            <a:lvl9pPr marL="3886200" indent="-228600" fontAlgn="base">
+              <a:spcBef>
+                <a:spcPct val="0"/>
+              </a:spcBef>
+              <a:spcAft>
+                <a:spcPct val="0"/>
+              </a:spcAft>
+              <a:defRPr>
+                <a:solidFill>
+                  <a:schemeClr val="tx1"/>
+                </a:solidFill>
+                <a:latin typeface="Franklin Gothic Book" pitchFamily="34" charset="0"/>
+              </a:defRPr>
+            </a:lvl9pPr>
+          </a:lstStyle>
+          <a:p>
+            <a:pPr eaLnBrk="1" hangingPunct="1"/>
+            <a:endParaRPr lang="en-IN" altLang="en-US"/>
+          </a:p>
+        </p:txBody>
+      </p:sp>
+      <p:sp>
+        <p:nvSpPr>
+          <p:cNvPr id="9220" name="AutoShape 10">
+            <a:extLst>
+              <a:ext uri="{FF2B5EF4-FFF2-40B4-BE49-F238E27FC236}">
+                <a16:creationId xmlns:a16="http://schemas.microsoft.com/office/drawing/2014/main" id="{6DB03E8C-4770-4DDF-860B-2EC735E98B86}"/>
               </a:ext>
             </a:extLst>
           </p:cNvPr>
@@ -4199,13 +4960,16 @@
         </p:nvSpPr>
         <p:spPr bwMode="auto">
           <a:xfrm>
-            <a:off x="4065973" y="2867487"/>
-            <a:ext cx="5841507" cy="2253154"/>
+            <a:off x="4065588" y="2867025"/>
+            <a:ext cx="5842000" cy="2254250"/>
           </a:xfrm>
           <a:prstGeom prst="rect">
             <a:avLst/>
           </a:prstGeom>
           <a:noFill/>
+          <a:ln>
+            <a:noFill/>
+          </a:ln>
           <a:extLst>
             <a:ext uri="{909E8E84-426E-40DD-AFC4-6F175D3DCCD1}">
               <a14:hiddenFill xmlns:a14="http://schemas.microsoft.com/office/drawing/2010/main">
@@ -4214,97 +4978,352 @@
                 </a:solidFill>
               </a14:hiddenFill>
             </a:ext>
+            <a:ext uri="{91240B29-F687-4F45-9708-019B960494DF}">
+              <a14:hiddenLine xmlns:a14="http://schemas.microsoft.com/office/drawing/2010/main" w="9525">
+                <a:solidFill>
+                  <a:srgbClr val="000000"/>
+                </a:solidFill>
+                <a:miter lim="800000"/>
+                <a:headEnd/>
+                <a:tailEnd/>
+              </a14:hiddenLine>
+            </a:ext>
           </a:extLst>
         </p:spPr>
         <p:txBody>
-          <a:bodyPr vert="horz" wrap="square" lIns="91440" tIns="45720" rIns="91440" bIns="45720" numCol="1" anchor="t" anchorCtr="0" compatLnSpc="1">
-            <a:prstTxWarp prst="textNoShape">
-              <a:avLst/>
-            </a:prstTxWarp>
-          </a:bodyPr>
-          <a:lstStyle/>
-          <a:p>
-            <a:endParaRPr lang="en-IN"/>
+          <a:bodyPr/>
+          <a:lstStyle>
+            <a:lvl1pPr>
+              <a:defRPr>
+                <a:solidFill>
+                  <a:schemeClr val="tx1"/>
+                </a:solidFill>
+                <a:latin typeface="Franklin Gothic Book" pitchFamily="34" charset="0"/>
+              </a:defRPr>
+            </a:lvl1pPr>
+            <a:lvl2pPr marL="742950" indent="-285750">
+              <a:defRPr>
+                <a:solidFill>
+                  <a:schemeClr val="tx1"/>
+                </a:solidFill>
+                <a:latin typeface="Franklin Gothic Book" pitchFamily="34" charset="0"/>
+              </a:defRPr>
+            </a:lvl2pPr>
+            <a:lvl3pPr marL="1143000" indent="-228600">
+              <a:defRPr>
+                <a:solidFill>
+                  <a:schemeClr val="tx1"/>
+                </a:solidFill>
+                <a:latin typeface="Franklin Gothic Book" pitchFamily="34" charset="0"/>
+              </a:defRPr>
+            </a:lvl3pPr>
+            <a:lvl4pPr marL="1600200" indent="-228600">
+              <a:defRPr>
+                <a:solidFill>
+                  <a:schemeClr val="tx1"/>
+                </a:solidFill>
+                <a:latin typeface="Franklin Gothic Book" pitchFamily="34" charset="0"/>
+              </a:defRPr>
+            </a:lvl4pPr>
+            <a:lvl5pPr marL="2057400" indent="-228600">
+              <a:defRPr>
+                <a:solidFill>
+                  <a:schemeClr val="tx1"/>
+                </a:solidFill>
+                <a:latin typeface="Franklin Gothic Book" pitchFamily="34" charset="0"/>
+              </a:defRPr>
+            </a:lvl5pPr>
+            <a:lvl6pPr marL="2514600" indent="-228600" fontAlgn="base">
+              <a:spcBef>
+                <a:spcPct val="0"/>
+              </a:spcBef>
+              <a:spcAft>
+                <a:spcPct val="0"/>
+              </a:spcAft>
+              <a:defRPr>
+                <a:solidFill>
+                  <a:schemeClr val="tx1"/>
+                </a:solidFill>
+                <a:latin typeface="Franklin Gothic Book" pitchFamily="34" charset="0"/>
+              </a:defRPr>
+            </a:lvl6pPr>
+            <a:lvl7pPr marL="2971800" indent="-228600" fontAlgn="base">
+              <a:spcBef>
+                <a:spcPct val="0"/>
+              </a:spcBef>
+              <a:spcAft>
+                <a:spcPct val="0"/>
+              </a:spcAft>
+              <a:defRPr>
+                <a:solidFill>
+                  <a:schemeClr val="tx1"/>
+                </a:solidFill>
+                <a:latin typeface="Franklin Gothic Book" pitchFamily="34" charset="0"/>
+              </a:defRPr>
+            </a:lvl7pPr>
+            <a:lvl8pPr marL="3429000" indent="-228600" fontAlgn="base">
+              <a:spcBef>
+                <a:spcPct val="0"/>
+              </a:spcBef>
+              <a:spcAft>
+                <a:spcPct val="0"/>
+              </a:spcAft>
+              <a:defRPr>
+                <a:solidFill>
+                  <a:schemeClr val="tx1"/>
+                </a:solidFill>
+                <a:latin typeface="Franklin Gothic Book" pitchFamily="34" charset="0"/>
+              </a:defRPr>
+            </a:lvl8pPr>
+            <a:lvl9pPr marL="3886200" indent="-228600" fontAlgn="base">
+              <a:spcBef>
+                <a:spcPct val="0"/>
+              </a:spcBef>
+              <a:spcAft>
+                <a:spcPct val="0"/>
+              </a:spcAft>
+              <a:defRPr>
+                <a:solidFill>
+                  <a:schemeClr val="tx1"/>
+                </a:solidFill>
+                <a:latin typeface="Franklin Gothic Book" pitchFamily="34" charset="0"/>
+              </a:defRPr>
+            </a:lvl9pPr>
+          </a:lstStyle>
+          <a:p>
+            <a:pPr eaLnBrk="1" hangingPunct="1"/>
+            <a:endParaRPr lang="en-IN" altLang="en-US"/>
           </a:p>
         </p:txBody>
       </p:sp>
       <p:pic>
         <p:nvPicPr>
-          <p:cNvPr id="11" name="Picture 10">
-            <a:extLst>
-              <a:ext uri="{FF2B5EF4-FFF2-40B4-BE49-F238E27FC236}">
-                <a16:creationId xmlns:a16="http://schemas.microsoft.com/office/drawing/2014/main" id="{68FC3D1E-E677-44F9-A8DE-916981427A44}"/>
+          <p:cNvPr id="9221" name="Picture 10">
+            <a:extLst>
+              <a:ext uri="{FF2B5EF4-FFF2-40B4-BE49-F238E27FC236}">
+                <a16:creationId xmlns:a16="http://schemas.microsoft.com/office/drawing/2014/main" id="{01A2F193-9605-4EBE-854A-4CA6E046B1E0}"/>
               </a:ext>
             </a:extLst>
           </p:cNvPr>
           <p:cNvPicPr>
-            <a:picLocks noChangeAspect="1"/>
+            <a:picLocks noChangeAspect="1" noChangeArrowheads="1"/>
           </p:cNvPicPr>
           <p:nvPr/>
         </p:nvPicPr>
         <p:blipFill>
-          <a:blip r:embed="rId2"/>
+          <a:blip r:embed="rId2">
+            <a:extLst>
+              <a:ext uri="{28A0092B-C50C-407E-A947-70E740481C1C}">
+                <a14:useLocalDpi xmlns:a14="http://schemas.microsoft.com/office/drawing/2010/main" val="0"/>
+              </a:ext>
+            </a:extLst>
+          </a:blip>
+          <a:srcRect/>
           <a:stretch>
             <a:fillRect/>
           </a:stretch>
         </p:blipFill>
-        <p:spPr>
+        <p:spPr bwMode="auto">
           <a:xfrm>
-            <a:off x="320832" y="2921226"/>
-            <a:ext cx="7119635" cy="1419955"/>
-          </a:xfrm>
-          <a:prstGeom prst="rect">
-            <a:avLst/>
-          </a:prstGeom>
-        </p:spPr>
-      </p:pic>
-      <p:sp>
-        <p:nvSpPr>
-          <p:cNvPr id="13" name="TextBox 12">
-            <a:extLst>
-              <a:ext uri="{FF2B5EF4-FFF2-40B4-BE49-F238E27FC236}">
-                <a16:creationId xmlns:a16="http://schemas.microsoft.com/office/drawing/2014/main" id="{D611E3FB-CE51-4076-A3C6-D97D2FFF6E09}"/>
-              </a:ext>
-            </a:extLst>
-          </p:cNvPr>
-          <p:cNvSpPr txBox="1"/>
-          <p:nvPr/>
-        </p:nvSpPr>
-        <p:spPr>
-          <a:xfrm>
-            <a:off x="320832" y="1987668"/>
-            <a:ext cx="11005351" cy="461665"/>
+            <a:off x="320675" y="2921000"/>
+            <a:ext cx="7119938" cy="1420813"/>
           </a:xfrm>
           <a:prstGeom prst="rect">
             <a:avLst/>
           </a:prstGeom>
           <a:noFill/>
+          <a:ln>
+            <a:noFill/>
+          </a:ln>
+          <a:extLst>
+            <a:ext uri="{909E8E84-426E-40DD-AFC4-6F175D3DCCD1}">
+              <a14:hiddenFill xmlns:a14="http://schemas.microsoft.com/office/drawing/2010/main">
+                <a:solidFill>
+                  <a:srgbClr val="FFFFFF"/>
+                </a:solidFill>
+              </a14:hiddenFill>
+            </a:ext>
+            <a:ext uri="{91240B29-F687-4F45-9708-019B960494DF}">
+              <a14:hiddenLine xmlns:a14="http://schemas.microsoft.com/office/drawing/2010/main" w="9525">
+                <a:solidFill>
+                  <a:srgbClr val="000000"/>
+                </a:solidFill>
+                <a:miter lim="800000"/>
+                <a:headEnd/>
+                <a:tailEnd/>
+              </a14:hiddenLine>
+            </a:ext>
+          </a:extLst>
         </p:spPr>
-        <p:txBody>
-          <a:bodyPr wrap="square" rtlCol="0">
+      </p:pic>
+      <p:sp>
+        <p:nvSpPr>
+          <p:cNvPr id="9222" name="TextBox 12">
+            <a:extLst>
+              <a:ext uri="{FF2B5EF4-FFF2-40B4-BE49-F238E27FC236}">
+                <a16:creationId xmlns:a16="http://schemas.microsoft.com/office/drawing/2014/main" id="{0A8382E4-C15A-43E7-8064-71E3A9695903}"/>
+              </a:ext>
+            </a:extLst>
+          </p:cNvPr>
+          <p:cNvSpPr txBox="1">
+            <a:spLocks noChangeArrowheads="1"/>
+          </p:cNvSpPr>
+          <p:nvPr/>
+        </p:nvSpPr>
+        <p:spPr bwMode="auto">
+          <a:xfrm>
+            <a:off x="320675" y="1987550"/>
+            <a:ext cx="11006138" cy="461963"/>
+          </a:xfrm>
+          <a:prstGeom prst="rect">
+            <a:avLst/>
+          </a:prstGeom>
+          <a:noFill/>
+          <a:ln>
+            <a:noFill/>
+          </a:ln>
+          <a:extLst>
+            <a:ext uri="{909E8E84-426E-40DD-AFC4-6F175D3DCCD1}">
+              <a14:hiddenFill xmlns:a14="http://schemas.microsoft.com/office/drawing/2010/main">
+                <a:solidFill>
+                  <a:srgbClr val="FFFFFF"/>
+                </a:solidFill>
+              </a14:hiddenFill>
+            </a:ext>
+            <a:ext uri="{91240B29-F687-4F45-9708-019B960494DF}">
+              <a14:hiddenLine xmlns:a14="http://schemas.microsoft.com/office/drawing/2010/main" w="9525">
+                <a:solidFill>
+                  <a:srgbClr val="000000"/>
+                </a:solidFill>
+                <a:miter lim="800000"/>
+                <a:headEnd/>
+                <a:tailEnd/>
+              </a14:hiddenLine>
+            </a:ext>
+          </a:extLst>
+        </p:spPr>
+        <p:txBody>
+          <a:bodyPr>
             <a:spAutoFit/>
           </a:bodyPr>
-          <a:lstStyle/>
-          <a:p>
-            <a:r>
-              <a:rPr lang="en-US" sz="1200" dirty="0"/>
+          <a:lstStyle>
+            <a:lvl1pPr>
+              <a:defRPr>
+                <a:solidFill>
+                  <a:schemeClr val="tx1"/>
+                </a:solidFill>
+                <a:latin typeface="Franklin Gothic Book" pitchFamily="34" charset="0"/>
+              </a:defRPr>
+            </a:lvl1pPr>
+            <a:lvl2pPr marL="742950" indent="-285750">
+              <a:defRPr>
+                <a:solidFill>
+                  <a:schemeClr val="tx1"/>
+                </a:solidFill>
+                <a:latin typeface="Franklin Gothic Book" pitchFamily="34" charset="0"/>
+              </a:defRPr>
+            </a:lvl2pPr>
+            <a:lvl3pPr marL="1143000" indent="-228600">
+              <a:defRPr>
+                <a:solidFill>
+                  <a:schemeClr val="tx1"/>
+                </a:solidFill>
+                <a:latin typeface="Franklin Gothic Book" pitchFamily="34" charset="0"/>
+              </a:defRPr>
+            </a:lvl3pPr>
+            <a:lvl4pPr marL="1600200" indent="-228600">
+              <a:defRPr>
+                <a:solidFill>
+                  <a:schemeClr val="tx1"/>
+                </a:solidFill>
+                <a:latin typeface="Franklin Gothic Book" pitchFamily="34" charset="0"/>
+              </a:defRPr>
+            </a:lvl4pPr>
+            <a:lvl5pPr marL="2057400" indent="-228600">
+              <a:defRPr>
+                <a:solidFill>
+                  <a:schemeClr val="tx1"/>
+                </a:solidFill>
+                <a:latin typeface="Franklin Gothic Book" pitchFamily="34" charset="0"/>
+              </a:defRPr>
+            </a:lvl5pPr>
+            <a:lvl6pPr marL="2514600" indent="-228600" fontAlgn="base">
+              <a:spcBef>
+                <a:spcPct val="0"/>
+              </a:spcBef>
+              <a:spcAft>
+                <a:spcPct val="0"/>
+              </a:spcAft>
+              <a:defRPr>
+                <a:solidFill>
+                  <a:schemeClr val="tx1"/>
+                </a:solidFill>
+                <a:latin typeface="Franklin Gothic Book" pitchFamily="34" charset="0"/>
+              </a:defRPr>
+            </a:lvl6pPr>
+            <a:lvl7pPr marL="2971800" indent="-228600" fontAlgn="base">
+              <a:spcBef>
+                <a:spcPct val="0"/>
+              </a:spcBef>
+              <a:spcAft>
+                <a:spcPct val="0"/>
+              </a:spcAft>
+              <a:defRPr>
+                <a:solidFill>
+                  <a:schemeClr val="tx1"/>
+                </a:solidFill>
+                <a:latin typeface="Franklin Gothic Book" pitchFamily="34" charset="0"/>
+              </a:defRPr>
+            </a:lvl7pPr>
+            <a:lvl8pPr marL="3429000" indent="-228600" fontAlgn="base">
+              <a:spcBef>
+                <a:spcPct val="0"/>
+              </a:spcBef>
+              <a:spcAft>
+                <a:spcPct val="0"/>
+              </a:spcAft>
+              <a:defRPr>
+                <a:solidFill>
+                  <a:schemeClr val="tx1"/>
+                </a:solidFill>
+                <a:latin typeface="Franklin Gothic Book" pitchFamily="34" charset="0"/>
+              </a:defRPr>
+            </a:lvl8pPr>
+            <a:lvl9pPr marL="3886200" indent="-228600" fontAlgn="base">
+              <a:spcBef>
+                <a:spcPct val="0"/>
+              </a:spcBef>
+              <a:spcAft>
+                <a:spcPct val="0"/>
+              </a:spcAft>
+              <a:defRPr>
+                <a:solidFill>
+                  <a:schemeClr val="tx1"/>
+                </a:solidFill>
+                <a:latin typeface="Franklin Gothic Book" pitchFamily="34" charset="0"/>
+              </a:defRPr>
+            </a:lvl9pPr>
+          </a:lstStyle>
+          <a:p>
+            <a:pPr eaLnBrk="1" hangingPunct="1"/>
+            <a:r>
+              <a:rPr lang="en-US" altLang="en-US" sz="1200"/>
               <a:t>Searching from title can be different from searching in a combination of “</a:t>
             </a:r>
             <a:r>
-              <a:rPr lang="en-US" sz="1200" b="0" i="0" dirty="0">
+              <a:rPr lang="en-US" altLang="en-US" sz="1200">
                 <a:solidFill>
                   <a:srgbClr val="262730"/>
                 </a:solidFill>
-                <a:effectLst/>
                 <a:latin typeface="IBM Plex Sans"/>
               </a:rPr>
               <a:t> title, artist name, release, and genre”. User may want to search from title with few words which is on top of his head. </a:t>
             </a:r>
             <a:r>
-              <a:rPr lang="en-US" sz="1200" dirty="0"/>
+              <a:rPr lang="en-US" altLang="en-US" sz="1200"/>
               <a:t> </a:t>
             </a:r>
-            <a:endParaRPr lang="en-IN" sz="1200" dirty="0"/>
+            <a:endParaRPr lang="en-IN" altLang="en-US" sz="1200"/>
           </a:p>
         </p:txBody>
       </p:sp>
@@ -4313,7 +5332,7 @@
           <p:cNvPr id="14" name="TextBox 13">
             <a:extLst>
               <a:ext uri="{FF2B5EF4-FFF2-40B4-BE49-F238E27FC236}">
-                <a16:creationId xmlns:a16="http://schemas.microsoft.com/office/drawing/2014/main" id="{885B7929-C44A-4AEC-B148-5ACB6708C95F}"/>
+                <a16:creationId xmlns:a16="http://schemas.microsoft.com/office/drawing/2014/main" id="{826DA224-EE51-47A9-A0FC-DFCB649D7E0A}"/>
               </a:ext>
             </a:extLst>
           </p:cNvPr>
@@ -4331,16 +5350,26 @@
           <a:noFill/>
         </p:spPr>
         <p:txBody>
-          <a:bodyPr wrap="square" rtlCol="0">
+          <a:bodyPr>
             <a:spAutoFit/>
           </a:bodyPr>
           <a:lstStyle/>
           <a:p>
+            <a:pPr eaLnBrk="1" fontAlgn="auto" hangingPunct="1">
+              <a:spcBef>
+                <a:spcPts val="0"/>
+              </a:spcBef>
+              <a:spcAft>
+                <a:spcPts val="0"/>
+              </a:spcAft>
+              <a:defRPr/>
+            </a:pPr>
             <a:r>
               <a:rPr lang="en-US" sz="1200" dirty="0">
                 <a:highlight>
                   <a:srgbClr val="00FFFF"/>
                 </a:highlight>
+                <a:latin typeface="+mn-lt"/>
               </a:rPr>
               <a:t>Searching from title</a:t>
             </a:r>
@@ -4348,6 +5377,7 @@
               <a:highlight>
                 <a:srgbClr val="00FFFF"/>
               </a:highlight>
+              <a:latin typeface="+mn-lt"/>
             </a:endParaRPr>
           </a:p>
         </p:txBody>
@@ -4357,7 +5387,7 @@
           <p:cNvPr id="15" name="TextBox 14">
             <a:extLst>
               <a:ext uri="{FF2B5EF4-FFF2-40B4-BE49-F238E27FC236}">
-                <a16:creationId xmlns:a16="http://schemas.microsoft.com/office/drawing/2014/main" id="{5FC858B9-7C0A-4BA7-8FF6-30F16A277D75}"/>
+                <a16:creationId xmlns:a16="http://schemas.microsoft.com/office/drawing/2014/main" id="{0DADB116-D2F0-442C-A1E1-BE078384DF40}"/>
               </a:ext>
             </a:extLst>
           </p:cNvPr>
@@ -4375,16 +5405,26 @@
           <a:noFill/>
         </p:spPr>
         <p:txBody>
-          <a:bodyPr wrap="square" rtlCol="0">
+          <a:bodyPr>
             <a:spAutoFit/>
           </a:bodyPr>
           <a:lstStyle/>
           <a:p>
+            <a:pPr eaLnBrk="1" fontAlgn="auto" hangingPunct="1">
+              <a:spcBef>
+                <a:spcPts val="0"/>
+              </a:spcBef>
+              <a:spcAft>
+                <a:spcPts val="0"/>
+              </a:spcAft>
+              <a:defRPr/>
+            </a:pPr>
             <a:r>
               <a:rPr lang="en-US" sz="1200" dirty="0">
                 <a:highlight>
                   <a:srgbClr val="00FFFF"/>
                 </a:highlight>
+                <a:latin typeface="+mn-lt"/>
               </a:rPr>
               <a:t>Content based search</a:t>
             </a:r>
@@ -4392,46 +5432,72 @@
               <a:highlight>
                 <a:srgbClr val="00FFFF"/>
               </a:highlight>
+              <a:latin typeface="+mn-lt"/>
             </a:endParaRPr>
           </a:p>
         </p:txBody>
       </p:sp>
       <p:pic>
         <p:nvPicPr>
-          <p:cNvPr id="19" name="Picture 18">
-            <a:extLst>
-              <a:ext uri="{FF2B5EF4-FFF2-40B4-BE49-F238E27FC236}">
-                <a16:creationId xmlns:a16="http://schemas.microsoft.com/office/drawing/2014/main" id="{6E9F2FF4-344E-49F7-A3B0-4F18D8BF8904}"/>
+          <p:cNvPr id="9225" name="Picture 18">
+            <a:extLst>
+              <a:ext uri="{FF2B5EF4-FFF2-40B4-BE49-F238E27FC236}">
+                <a16:creationId xmlns:a16="http://schemas.microsoft.com/office/drawing/2014/main" id="{097B27D7-99EF-445B-BB68-AB9D0F7CE59C}"/>
               </a:ext>
             </a:extLst>
           </p:cNvPr>
           <p:cNvPicPr>
-            <a:picLocks noChangeAspect="1"/>
+            <a:picLocks noChangeAspect="1" noChangeArrowheads="1"/>
           </p:cNvPicPr>
           <p:nvPr/>
         </p:nvPicPr>
         <p:blipFill>
-          <a:blip r:embed="rId3"/>
+          <a:blip r:embed="rId3">
+            <a:extLst>
+              <a:ext uri="{28A0092B-C50C-407E-A947-70E740481C1C}">
+                <a14:useLocalDpi xmlns:a14="http://schemas.microsoft.com/office/drawing/2010/main" val="0"/>
+              </a:ext>
+            </a:extLst>
+          </a:blip>
+          <a:srcRect/>
           <a:stretch>
             <a:fillRect/>
           </a:stretch>
         </p:blipFill>
-        <p:spPr>
+        <p:spPr bwMode="auto">
           <a:xfrm>
-            <a:off x="8513685" y="2756531"/>
-            <a:ext cx="3106422" cy="3366413"/>
+            <a:off x="8513763" y="2755900"/>
+            <a:ext cx="3106737" cy="3367088"/>
           </a:xfrm>
           <a:prstGeom prst="rect">
             <a:avLst/>
           </a:prstGeom>
+          <a:noFill/>
+          <a:ln>
+            <a:noFill/>
+          </a:ln>
+          <a:extLst>
+            <a:ext uri="{909E8E84-426E-40DD-AFC4-6F175D3DCCD1}">
+              <a14:hiddenFill xmlns:a14="http://schemas.microsoft.com/office/drawing/2010/main">
+                <a:solidFill>
+                  <a:srgbClr val="FFFFFF"/>
+                </a:solidFill>
+              </a14:hiddenFill>
+            </a:ext>
+            <a:ext uri="{91240B29-F687-4F45-9708-019B960494DF}">
+              <a14:hiddenLine xmlns:a14="http://schemas.microsoft.com/office/drawing/2010/main" w="9525">
+                <a:solidFill>
+                  <a:srgbClr val="000000"/>
+                </a:solidFill>
+                <a:miter lim="800000"/>
+                <a:headEnd/>
+                <a:tailEnd/>
+              </a14:hiddenLine>
+            </a:ext>
+          </a:extLst>
         </p:spPr>
       </p:pic>
     </p:spTree>
-    <p:extLst>
-      <p:ext uri="{BB962C8B-B14F-4D97-AF65-F5344CB8AC3E}">
-        <p14:creationId xmlns:p14="http://schemas.microsoft.com/office/powerpoint/2010/main" val="1702349307"/>
-      </p:ext>
-    </p:extLst>
   </p:cSld>
   <p:clrMapOvr>
     <a:masterClrMapping/>
@@ -4461,7 +5527,7 @@
           <p:cNvPr id="2" name="Title 1">
             <a:extLst>
               <a:ext uri="{FF2B5EF4-FFF2-40B4-BE49-F238E27FC236}">
-                <a16:creationId xmlns:a16="http://schemas.microsoft.com/office/drawing/2014/main" id="{C71B93D5-9A0D-4ABC-8B38-5892622D4815}"/>
+                <a16:creationId xmlns:a16="http://schemas.microsoft.com/office/drawing/2014/main" id="{DDCBB568-9E0F-4B1E-85B0-6BDB09D388CA}"/>
               </a:ext>
             </a:extLst>
           </p:cNvPr>
@@ -4477,35 +5543,54 @@
           <a:bodyPr/>
           <a:lstStyle/>
           <a:p>
-            <a:r>
-              <a:rPr lang="en-US" sz="4800" dirty="0"/>
+            <a:pPr fontAlgn="auto">
+              <a:spcAft>
+                <a:spcPts val="0"/>
+              </a:spcAft>
+              <a:defRPr/>
+            </a:pPr>
+            <a:r>
+              <a:rPr lang="en-US" sz="4800" dirty="0">
+                <a:solidFill>
+                  <a:schemeClr val="tx1">
+                    <a:lumMod val="75000"/>
+                    <a:lumOff val="25000"/>
+                  </a:schemeClr>
+                </a:solidFill>
+              </a:rPr>
               <a:t>Case 2 – searching from “</a:t>
             </a:r>
             <a:r>
-              <a:rPr lang="en-US" sz="4800" b="0" i="0" dirty="0">
+              <a:rPr lang="en-US" sz="4800" dirty="0">
                 <a:solidFill>
                   <a:srgbClr val="262730"/>
                 </a:solidFill>
-                <a:effectLst/>
                 <a:latin typeface="IBM Plex Sans"/>
               </a:rPr>
               <a:t>title, artist name, release, and genre”</a:t>
             </a:r>
-            <a:endParaRPr lang="en-IN" dirty="0"/>
-          </a:p>
-        </p:txBody>
-      </p:sp>
-      <p:sp>
-        <p:nvSpPr>
-          <p:cNvPr id="3" name="Content Placeholder 2">
-            <a:extLst>
-              <a:ext uri="{FF2B5EF4-FFF2-40B4-BE49-F238E27FC236}">
-                <a16:creationId xmlns:a16="http://schemas.microsoft.com/office/drawing/2014/main" id="{F4E0B9EC-EEED-4462-BCCF-BA2A3CC2A436}"/>
-              </a:ext>
-            </a:extLst>
-          </p:cNvPr>
-          <p:cNvSpPr>
-            <a:spLocks noGrp="1"/>
+            <a:endParaRPr lang="en-IN" dirty="0">
+              <a:solidFill>
+                <a:schemeClr val="tx1">
+                  <a:lumMod val="75000"/>
+                  <a:lumOff val="25000"/>
+                </a:schemeClr>
+              </a:solidFill>
+            </a:endParaRPr>
+          </a:p>
+        </p:txBody>
+      </p:sp>
+      <p:sp>
+        <p:nvSpPr>
+          <p:cNvPr id="10243" name="Content Placeholder 2">
+            <a:extLst>
+              <a:ext uri="{FF2B5EF4-FFF2-40B4-BE49-F238E27FC236}">
+                <a16:creationId xmlns:a16="http://schemas.microsoft.com/office/drawing/2014/main" id="{44420748-8EA7-4A85-96B6-C29010058924}"/>
+              </a:ext>
+            </a:extLst>
+          </p:cNvPr>
+          <p:cNvSpPr>
+            <a:spLocks noGrp="1" noChangeArrowheads="1"/>
           </p:cNvSpPr>
           <p:nvPr>
             <p:ph idx="1"/>
@@ -4517,35 +5602,14 @@
           <a:lstStyle/>
           <a:p>
             <a:r>
-              <a:rPr lang="en-US" dirty="0"/>
-              <a:t>Using </a:t>
-            </a:r>
-            <a:r>
-              <a:rPr lang="en-US" dirty="0" err="1"/>
-              <a:t>str.contains</a:t>
-            </a:r>
-            <a:r>
-              <a:rPr lang="en-US" dirty="0"/>
-              <a:t> &amp; </a:t>
-            </a:r>
-            <a:r>
-              <a:rPr lang="en-US" dirty="0" err="1"/>
-              <a:t>str.match</a:t>
-            </a:r>
-            <a:r>
-              <a:rPr lang="en-US" dirty="0"/>
-              <a:t> in text we are able to get the almost same results as content based filtering results for multiple observation. </a:t>
-            </a:r>
-            <a:endParaRPr lang="en-IN" dirty="0"/>
+              <a:rPr lang="en-US" altLang="en-US"/>
+              <a:t>Using str.contains &amp; str.match in text we are able to get the almost same results as content based filtering results for multiple observation. </a:t>
+            </a:r>
+            <a:endParaRPr lang="en-IN" altLang="en-US"/>
           </a:p>
         </p:txBody>
       </p:sp>
     </p:spTree>
-    <p:extLst>
-      <p:ext uri="{BB962C8B-B14F-4D97-AF65-F5344CB8AC3E}">
-        <p14:creationId xmlns:p14="http://schemas.microsoft.com/office/powerpoint/2010/main" val="1180397284"/>
-      </p:ext>
-    </p:extLst>
   </p:cSld>
   <p:clrMapOvr>
     <a:masterClrMapping/>
@@ -4575,7 +5639,7 @@
           <p:cNvPr id="2" name="Title 1">
             <a:extLst>
               <a:ext uri="{FF2B5EF4-FFF2-40B4-BE49-F238E27FC236}">
-                <a16:creationId xmlns:a16="http://schemas.microsoft.com/office/drawing/2014/main" id="{0BB6B1EA-661C-4D70-972A-2629BAC4A2B9}"/>
+                <a16:creationId xmlns:a16="http://schemas.microsoft.com/office/drawing/2014/main" id="{44F1EF3C-81AE-4316-B419-EA2229713906}"/>
               </a:ext>
             </a:extLst>
           </p:cNvPr>
@@ -4591,25 +5655,45 @@
           <a:bodyPr/>
           <a:lstStyle/>
           <a:p>
-            <a:r>
-              <a:rPr lang="en-US" dirty="0"/>
+            <a:pPr fontAlgn="auto">
+              <a:spcAft>
+                <a:spcPts val="0"/>
+              </a:spcAft>
+              <a:defRPr/>
+            </a:pPr>
+            <a:r>
+              <a:rPr lang="en-US" dirty="0">
+                <a:solidFill>
+                  <a:schemeClr val="tx1">
+                    <a:lumMod val="75000"/>
+                    <a:lumOff val="25000"/>
+                  </a:schemeClr>
+                </a:solidFill>
+              </a:rPr>
               <a:t>Popularity as per the Artist Name along with Region </a:t>
             </a:r>
-            <a:endParaRPr lang="en-IN" dirty="0"/>
-          </a:p>
-        </p:txBody>
-      </p:sp>
-      <p:sp>
-        <p:nvSpPr>
-          <p:cNvPr id="3" name="Content Placeholder 2">
-            <a:extLst>
-              <a:ext uri="{FF2B5EF4-FFF2-40B4-BE49-F238E27FC236}">
-                <a16:creationId xmlns:a16="http://schemas.microsoft.com/office/drawing/2014/main" id="{7A18FFD8-8E5F-4CC6-BC05-8AD413B6B033}"/>
-              </a:ext>
-            </a:extLst>
-          </p:cNvPr>
-          <p:cNvSpPr>
-            <a:spLocks noGrp="1"/>
+            <a:endParaRPr lang="en-IN" dirty="0">
+              <a:solidFill>
+                <a:schemeClr val="tx1">
+                  <a:lumMod val="75000"/>
+                  <a:lumOff val="25000"/>
+                </a:schemeClr>
+              </a:solidFill>
+            </a:endParaRPr>
+          </a:p>
+        </p:txBody>
+      </p:sp>
+      <p:sp>
+        <p:nvSpPr>
+          <p:cNvPr id="11267" name="Content Placeholder 2">
+            <a:extLst>
+              <a:ext uri="{FF2B5EF4-FFF2-40B4-BE49-F238E27FC236}">
+                <a16:creationId xmlns:a16="http://schemas.microsoft.com/office/drawing/2014/main" id="{CAA51855-2ED8-4E19-9063-6A2945766B10}"/>
+              </a:ext>
+            </a:extLst>
+          </p:cNvPr>
+          <p:cNvSpPr>
+            <a:spLocks noGrp="1" noChangeArrowheads="1"/>
           </p:cNvSpPr>
           <p:nvPr>
             <p:ph idx="1"/>
@@ -4621,19 +5705,339 @@
           <a:lstStyle/>
           <a:p>
             <a:r>
-              <a:rPr lang="en-US" dirty="0"/>
+              <a:rPr lang="en-US" altLang="en-US"/>
               <a:t>In the design we can introduce Artist name along with Region to slice popularity</a:t>
             </a:r>
-            <a:endParaRPr lang="en-IN" dirty="0"/>
+            <a:endParaRPr lang="en-IN" altLang="en-US"/>
           </a:p>
         </p:txBody>
       </p:sp>
     </p:spTree>
-    <p:extLst>
-      <p:ext uri="{BB962C8B-B14F-4D97-AF65-F5344CB8AC3E}">
-        <p14:creationId xmlns:p14="http://schemas.microsoft.com/office/powerpoint/2010/main" val="1031658964"/>
-      </p:ext>
-    </p:extLst>
+  </p:cSld>
+  <p:clrMapOvr>
+    <a:masterClrMapping/>
+  </p:clrMapOvr>
+</p:sld>
+</file>
+
+<file path=ppt/slides/slide5.xml><?xml version="1.0" encoding="utf-8"?>
+<p:sld xmlns:a="http://schemas.openxmlformats.org/drawingml/2006/main" xmlns:r="http://schemas.openxmlformats.org/officeDocument/2006/relationships" xmlns:p="http://schemas.openxmlformats.org/presentationml/2006/main">
+  <p:cSld>
+    <p:spTree>
+      <p:nvGrpSpPr>
+        <p:cNvPr id="1" name=""/>
+        <p:cNvGrpSpPr/>
+        <p:nvPr/>
+      </p:nvGrpSpPr>
+      <p:grpSpPr>
+        <a:xfrm>
+          <a:off x="0" y="0"/>
+          <a:ext cx="0" cy="0"/>
+          <a:chOff x="0" y="0"/>
+          <a:chExt cx="0" cy="0"/>
+        </a:xfrm>
+      </p:grpSpPr>
+      <p:sp>
+        <p:nvSpPr>
+          <p:cNvPr id="2" name="Title 1">
+            <a:extLst>
+              <a:ext uri="{FF2B5EF4-FFF2-40B4-BE49-F238E27FC236}">
+                <a16:creationId xmlns:a16="http://schemas.microsoft.com/office/drawing/2014/main" id="{5742250C-8E7C-4361-93AE-F09EAA330F95}"/>
+              </a:ext>
+            </a:extLst>
+          </p:cNvPr>
+          <p:cNvSpPr>
+            <a:spLocks noGrp="1"/>
+          </p:cNvSpPr>
+          <p:nvPr>
+            <p:ph type="title" idx="4294967295"/>
+          </p:nvPr>
+        </p:nvSpPr>
+        <p:spPr/>
+        <p:txBody>
+          <a:bodyPr wrap="square" numCol="1" anchorCtr="0" compatLnSpc="1">
+            <a:prstTxWarp prst="textNoShape">
+              <a:avLst/>
+            </a:prstTxWarp>
+          </a:bodyPr>
+          <a:lstStyle/>
+          <a:p>
+            <a:r>
+              <a:rPr lang="en-US" altLang="en-US" sz="4800"/>
+              <a:t>Case 3 – collaborative filtering with user recommendation</a:t>
+            </a:r>
+            <a:endParaRPr lang="en-IN" altLang="en-US"/>
+          </a:p>
+        </p:txBody>
+      </p:sp>
+      <p:sp>
+        <p:nvSpPr>
+          <p:cNvPr id="12291" name="Content Placeholder 2">
+            <a:extLst>
+              <a:ext uri="{FF2B5EF4-FFF2-40B4-BE49-F238E27FC236}">
+                <a16:creationId xmlns:a16="http://schemas.microsoft.com/office/drawing/2014/main" id="{26A7BD9C-4F60-4925-B3F1-D1AFADE581F0}"/>
+              </a:ext>
+            </a:extLst>
+          </p:cNvPr>
+          <p:cNvSpPr>
+            <a:spLocks noGrp="1" noChangeArrowheads="1"/>
+          </p:cNvSpPr>
+          <p:nvPr>
+            <p:ph idx="4294967295"/>
+          </p:nvPr>
+        </p:nvSpPr>
+        <p:spPr>
+          <a:xfrm>
+            <a:off x="747713" y="2108200"/>
+            <a:ext cx="10058400" cy="3760788"/>
+          </a:xfrm>
+        </p:spPr>
+        <p:txBody>
+          <a:bodyPr/>
+          <a:lstStyle/>
+          <a:p>
+            <a:r>
+              <a:rPr lang="en-US" altLang="en-US" sz="1200"/>
+              <a:t>Finding song recommendation for a set of users.</a:t>
+            </a:r>
+          </a:p>
+          <a:p>
+            <a:r>
+              <a:rPr lang="en-US" altLang="en-US" sz="1200"/>
+              <a:t>Sample user’s set used :-</a:t>
+            </a:r>
+          </a:p>
+          <a:p>
+            <a:endParaRPr lang="en-US" altLang="en-US" sz="1200"/>
+          </a:p>
+          <a:p>
+            <a:endParaRPr lang="en-US" altLang="en-US" sz="1200"/>
+          </a:p>
+          <a:p>
+            <a:r>
+              <a:rPr lang="en-US" altLang="en-US" sz="1200"/>
+              <a:t>Sample recommendation for each user in the set :-</a:t>
+            </a:r>
+          </a:p>
+          <a:p>
+            <a:endParaRPr lang="en-IN" altLang="en-US" sz="1200"/>
+          </a:p>
+          <a:p>
+            <a:endParaRPr lang="en-IN" altLang="en-US" sz="1200"/>
+          </a:p>
+        </p:txBody>
+      </p:sp>
+      <p:pic>
+        <p:nvPicPr>
+          <p:cNvPr id="12293" name="Picture 5">
+            <a:extLst>
+              <a:ext uri="{FF2B5EF4-FFF2-40B4-BE49-F238E27FC236}">
+                <a16:creationId xmlns:a16="http://schemas.microsoft.com/office/drawing/2014/main" id="{5A527309-6EA1-46EC-AC51-2F2FC70FFAF2}"/>
+              </a:ext>
+            </a:extLst>
+          </p:cNvPr>
+          <p:cNvPicPr>
+            <a:picLocks noChangeAspect="1" noChangeArrowheads="1"/>
+          </p:cNvPicPr>
+          <p:nvPr/>
+        </p:nvPicPr>
+        <p:blipFill>
+          <a:blip r:embed="rId2">
+            <a:extLst>
+              <a:ext uri="{28A0092B-C50C-407E-A947-70E740481C1C}">
+                <a14:useLocalDpi xmlns:a14="http://schemas.microsoft.com/office/drawing/2010/main" val="0"/>
+              </a:ext>
+            </a:extLst>
+          </a:blip>
+          <a:srcRect/>
+          <a:stretch>
+            <a:fillRect/>
+          </a:stretch>
+        </p:blipFill>
+        <p:spPr bwMode="auto">
+          <a:xfrm>
+            <a:off x="1189038" y="2773363"/>
+            <a:ext cx="5745162" cy="549275"/>
+          </a:xfrm>
+          <a:prstGeom prst="rect">
+            <a:avLst/>
+          </a:prstGeom>
+          <a:noFill/>
+          <a:ln>
+            <a:noFill/>
+          </a:ln>
+          <a:effectLst/>
+          <a:extLst>
+            <a:ext uri="{909E8E84-426E-40DD-AFC4-6F175D3DCCD1}">
+              <a14:hiddenFill xmlns:a14="http://schemas.microsoft.com/office/drawing/2010/main">
+                <a:solidFill>
+                  <a:schemeClr val="accent1"/>
+                </a:solidFill>
+              </a14:hiddenFill>
+            </a:ext>
+            <a:ext uri="{91240B29-F687-4F45-9708-019B960494DF}">
+              <a14:hiddenLine xmlns:a14="http://schemas.microsoft.com/office/drawing/2010/main" w="9525">
+                <a:solidFill>
+                  <a:schemeClr val="tx1"/>
+                </a:solidFill>
+                <a:miter lim="800000"/>
+                <a:headEnd/>
+                <a:tailEnd/>
+              </a14:hiddenLine>
+            </a:ext>
+            <a:ext uri="{AF507438-7753-43E0-B8FC-AC1667EBCBE1}">
+              <a14:hiddenEffects xmlns:a14="http://schemas.microsoft.com/office/drawing/2010/main">
+                <a:effectLst>
+                  <a:outerShdw dist="35921" dir="2700000" algn="ctr" rotWithShape="0">
+                    <a:schemeClr val="bg2"/>
+                  </a:outerShdw>
+                </a:effectLst>
+              </a14:hiddenEffects>
+            </a:ext>
+          </a:extLst>
+        </p:spPr>
+      </p:pic>
+      <p:pic>
+        <p:nvPicPr>
+          <p:cNvPr id="12295" name="Picture 7">
+            <a:extLst>
+              <a:ext uri="{FF2B5EF4-FFF2-40B4-BE49-F238E27FC236}">
+                <a16:creationId xmlns:a16="http://schemas.microsoft.com/office/drawing/2014/main" id="{86B965AF-FEF6-4E62-A366-20444713393B}"/>
+              </a:ext>
+            </a:extLst>
+          </p:cNvPr>
+          <p:cNvPicPr>
+            <a:picLocks noChangeAspect="1" noChangeArrowheads="1"/>
+          </p:cNvPicPr>
+          <p:nvPr/>
+        </p:nvPicPr>
+        <p:blipFill>
+          <a:blip r:embed="rId3">
+            <a:extLst>
+              <a:ext uri="{28A0092B-C50C-407E-A947-70E740481C1C}">
+                <a14:useLocalDpi xmlns:a14="http://schemas.microsoft.com/office/drawing/2010/main" val="0"/>
+              </a:ext>
+            </a:extLst>
+          </a:blip>
+          <a:srcRect/>
+          <a:stretch>
+            <a:fillRect/>
+          </a:stretch>
+        </p:blipFill>
+        <p:spPr bwMode="auto">
+          <a:xfrm>
+            <a:off x="6542088" y="3968750"/>
+            <a:ext cx="5067300" cy="1622425"/>
+          </a:xfrm>
+          <a:prstGeom prst="rect">
+            <a:avLst/>
+          </a:prstGeom>
+          <a:noFill/>
+          <a:ln>
+            <a:noFill/>
+          </a:ln>
+          <a:effectLst/>
+          <a:extLst>
+            <a:ext uri="{909E8E84-426E-40DD-AFC4-6F175D3DCCD1}">
+              <a14:hiddenFill xmlns:a14="http://schemas.microsoft.com/office/drawing/2010/main">
+                <a:solidFill>
+                  <a:schemeClr val="accent1"/>
+                </a:solidFill>
+              </a14:hiddenFill>
+            </a:ext>
+            <a:ext uri="{91240B29-F687-4F45-9708-019B960494DF}">
+              <a14:hiddenLine xmlns:a14="http://schemas.microsoft.com/office/drawing/2010/main" w="9525">
+                <a:solidFill>
+                  <a:schemeClr val="tx1"/>
+                </a:solidFill>
+                <a:miter lim="800000"/>
+                <a:headEnd/>
+                <a:tailEnd/>
+              </a14:hiddenLine>
+            </a:ext>
+            <a:ext uri="{AF507438-7753-43E0-B8FC-AC1667EBCBE1}">
+              <a14:hiddenEffects xmlns:a14="http://schemas.microsoft.com/office/drawing/2010/main">
+                <a:effectLst>
+                  <a:outerShdw dist="35921" dir="2700000" algn="ctr" rotWithShape="0">
+                    <a:schemeClr val="bg2"/>
+                  </a:outerShdw>
+                </a:effectLst>
+              </a14:hiddenEffects>
+            </a:ext>
+          </a:extLst>
+        </p:spPr>
+      </p:pic>
+      <p:pic>
+        <p:nvPicPr>
+          <p:cNvPr id="12296" name="Picture 8">
+            <a:extLst>
+              <a:ext uri="{FF2B5EF4-FFF2-40B4-BE49-F238E27FC236}">
+                <a16:creationId xmlns:a16="http://schemas.microsoft.com/office/drawing/2014/main" id="{285010A8-6B1E-46D8-8D09-BAEC3F494839}"/>
+              </a:ext>
+            </a:extLst>
+          </p:cNvPr>
+          <p:cNvPicPr>
+            <a:picLocks noChangeAspect="1" noChangeArrowheads="1"/>
+          </p:cNvPicPr>
+          <p:nvPr/>
+        </p:nvPicPr>
+        <p:blipFill>
+          <a:blip r:embed="rId4">
+            <a:extLst>
+              <a:ext uri="{28A0092B-C50C-407E-A947-70E740481C1C}">
+                <a14:useLocalDpi xmlns:a14="http://schemas.microsoft.com/office/drawing/2010/main" val="0"/>
+              </a:ext>
+            </a:extLst>
+          </a:blip>
+          <a:srcRect/>
+          <a:stretch>
+            <a:fillRect/>
+          </a:stretch>
+        </p:blipFill>
+        <p:spPr bwMode="auto">
+          <a:xfrm>
+            <a:off x="657225" y="3984625"/>
+            <a:ext cx="5581650" cy="1638300"/>
+          </a:xfrm>
+          <a:prstGeom prst="rect">
+            <a:avLst/>
+          </a:prstGeom>
+          <a:noFill/>
+          <a:ln>
+            <a:noFill/>
+          </a:ln>
+          <a:effectLst/>
+          <a:extLst>
+            <a:ext uri="{909E8E84-426E-40DD-AFC4-6F175D3DCCD1}">
+              <a14:hiddenFill xmlns:a14="http://schemas.microsoft.com/office/drawing/2010/main">
+                <a:solidFill>
+                  <a:schemeClr val="accent1"/>
+                </a:solidFill>
+              </a14:hiddenFill>
+            </a:ext>
+            <a:ext uri="{91240B29-F687-4F45-9708-019B960494DF}">
+              <a14:hiddenLine xmlns:a14="http://schemas.microsoft.com/office/drawing/2010/main" w="9525">
+                <a:solidFill>
+                  <a:schemeClr val="tx1"/>
+                </a:solidFill>
+                <a:miter lim="800000"/>
+                <a:headEnd/>
+                <a:tailEnd/>
+              </a14:hiddenLine>
+            </a:ext>
+            <a:ext uri="{AF507438-7753-43E0-B8FC-AC1667EBCBE1}">
+              <a14:hiddenEffects xmlns:a14="http://schemas.microsoft.com/office/drawing/2010/main">
+                <a:effectLst>
+                  <a:outerShdw dist="35921" dir="2700000" algn="ctr" rotWithShape="0">
+                    <a:schemeClr val="bg2"/>
+                  </a:outerShdw>
+                </a:effectLst>
+              </a14:hiddenEffects>
+            </a:ext>
+          </a:extLst>
+        </p:spPr>
+      </p:pic>
+    </p:spTree>
   </p:cSld>
   <p:clrMapOvr>
     <a:masterClrMapping/>
